--- a/research/Data-Collaboration-Analysis.pptx
+++ b/research/Data-Collaboration-Analysis.pptx
@@ -7,7 +7,11 @@
   <p:sldIdLst>
     <p:sldId id="256" r:id="rId2"/>
     <p:sldId id="258" r:id="rId3"/>
-    <p:sldId id="259" r:id="rId4"/>
+    <p:sldId id="260" r:id="rId4"/>
+    <p:sldId id="259" r:id="rId5"/>
+    <p:sldId id="262" r:id="rId6"/>
+    <p:sldId id="263" r:id="rId7"/>
+    <p:sldId id="261" r:id="rId8"/>
   </p:sldIdLst>
   <p:sldSz cx="12192000" cy="6858000"/>
   <p:notesSz cx="6858000" cy="9144000"/>
@@ -106,6 +110,11 @@
       </a:defRPr>
     </a:lvl9pPr>
   </p:defaultTextStyle>
+  <p:extLst>
+    <p:ext uri="{EFAFB233-063F-42B5-8137-9DF3F51BA10A}">
+      <p15:sldGuideLst xmlns:p15="http://schemas.microsoft.com/office/powerpoint/2012/main"/>
+    </p:ext>
+  </p:extLst>
 </p:presentation>
 </file>
 
@@ -4106,7 +4115,7 @@
           <p:cNvPr id="2" name="タイトル 1">
             <a:extLst>
               <a:ext uri="{FF2B5EF4-FFF2-40B4-BE49-F238E27FC236}">
-                <a16:creationId xmlns:a16="http://schemas.microsoft.com/office/drawing/2014/main" id="{727D34A2-C041-4228-B875-2A13076E4433}"/>
+                <a16:creationId xmlns:a16="http://schemas.microsoft.com/office/drawing/2014/main" id="{3F70DEFF-3F63-18BE-EBBB-A3D54AFB2E19}"/>
               </a:ext>
             </a:extLst>
           </p:cNvPr>
@@ -4123,18 +4132,516 @@
           <a:lstStyle/>
           <a:p>
             <a:r>
+              <a:rPr kumimoji="1" lang="ja-JP" altLang="en-US"/>
+              <a:t>先行研究と提案したフレームワーク</a:t>
+            </a:r>
+          </a:p>
+        </p:txBody>
+      </p:sp>
+      <p:sp>
+        <p:nvSpPr>
+          <p:cNvPr id="3" name="コンテンツ プレースホルダー 2">
+            <a:extLst>
+              <a:ext uri="{FF2B5EF4-FFF2-40B4-BE49-F238E27FC236}">
+                <a16:creationId xmlns:a16="http://schemas.microsoft.com/office/drawing/2014/main" id="{1AB3C123-7036-FCF6-E692-0C7333D63ED5}"/>
+              </a:ext>
+            </a:extLst>
+          </p:cNvPr>
+          <p:cNvSpPr>
+            <a:spLocks noGrp="1"/>
+          </p:cNvSpPr>
+          <p:nvPr>
+            <p:ph idx="1"/>
+          </p:nvPr>
+        </p:nvSpPr>
+        <p:spPr/>
+        <p:txBody>
+          <a:bodyPr/>
+          <a:lstStyle/>
+          <a:p>
+            <a:pPr marL="0" indent="0">
+              <a:buNone/>
+            </a:pPr>
+            <a:r>
+              <a:rPr kumimoji="1" lang="ja-JP" altLang="en-US"/>
+              <a:t>先行研究では、暗号を使った計算や、元データは集めずにモデルを共通にする連合学習</a:t>
+            </a:r>
+            <a:r>
+              <a:rPr kumimoji="1" lang="en-US" altLang="ja-JP" dirty="0"/>
+              <a:t>[1]</a:t>
+            </a:r>
+            <a:r>
+              <a:rPr kumimoji="1" lang="ja-JP" altLang="en-US"/>
+              <a:t>などが行われている。</a:t>
+            </a:r>
+            <a:endParaRPr kumimoji="1" lang="en-US" altLang="ja-JP" dirty="0"/>
+          </a:p>
+          <a:p>
+            <a:endParaRPr kumimoji="1" lang="en-US" altLang="ja-JP" dirty="0"/>
+          </a:p>
+          <a:p>
+            <a:pPr marL="0" indent="0">
+              <a:buNone/>
+            </a:pPr>
+            <a:r>
+              <a:rPr lang="ja-JP" altLang="en-US"/>
+              <a:t>本論文では、新しいデータ統合解析フレームワークを提案</a:t>
+            </a:r>
+            <a:endParaRPr lang="en-US" altLang="ja-JP" dirty="0"/>
+          </a:p>
+          <a:p>
+            <a:r>
+              <a:rPr kumimoji="1" lang="ja-JP" altLang="en-US"/>
+              <a:t>個別の機関で元データを別空間（例：低次元）に射影する</a:t>
+            </a:r>
+            <a:r>
+              <a:rPr kumimoji="1" lang="ja-JP" altLang="en-US">
+                <a:solidFill>
+                  <a:srgbClr val="FF0000"/>
+                </a:solidFill>
+              </a:rPr>
+              <a:t>中間表現</a:t>
+            </a:r>
+            <a:r>
+              <a:rPr kumimoji="1" lang="ja-JP" altLang="en-US"/>
+              <a:t>を作る</a:t>
+            </a:r>
+            <a:endParaRPr kumimoji="1" lang="en-US" altLang="ja-JP" dirty="0"/>
+          </a:p>
+          <a:p>
+            <a:r>
+              <a:rPr lang="ja-JP" altLang="en-US"/>
+              <a:t>中間表現を行ったデータ</a:t>
+            </a:r>
+            <a:r>
+              <a:rPr kumimoji="1" lang="ja-JP" altLang="en-US"/>
+              <a:t>を一元化し、中間表現そのものは共有しないことで、逆関数を用いた元データの復元を回避</a:t>
+            </a:r>
+            <a:endParaRPr kumimoji="1" lang="en-US" altLang="ja-JP" dirty="0"/>
+          </a:p>
+          <a:p>
+            <a:r>
+              <a:rPr lang="ja-JP" altLang="en-US"/>
+              <a:t>中間表現を行ったデータを組み込み可能な表現（連携表現）にマッピング</a:t>
+            </a:r>
+            <a:endParaRPr lang="en-US" altLang="ja-JP" dirty="0"/>
+          </a:p>
+          <a:p>
+            <a:pPr marL="0" indent="0">
+              <a:buNone/>
+            </a:pPr>
+            <a:r>
+              <a:rPr kumimoji="1" lang="ja-JP" altLang="en-US"/>
+              <a:t>→元データの特徴を可能な限り復元して一元化することができる</a:t>
+            </a:r>
+          </a:p>
+        </p:txBody>
+      </p:sp>
+    </p:spTree>
+    <p:extLst>
+      <p:ext uri="{BB962C8B-B14F-4D97-AF65-F5344CB8AC3E}">
+        <p14:creationId xmlns:p14="http://schemas.microsoft.com/office/powerpoint/2010/main" val="1123377565"/>
+      </p:ext>
+    </p:extLst>
+  </p:cSld>
+  <p:clrMapOvr>
+    <a:masterClrMapping/>
+  </p:clrMapOvr>
+</p:sld>
+</file>
+
+<file path=ppt/slides/slide4.xml><?xml version="1.0" encoding="utf-8"?>
+<p:sld xmlns:a="http://schemas.openxmlformats.org/drawingml/2006/main" xmlns:r="http://schemas.openxmlformats.org/officeDocument/2006/relationships" xmlns:p="http://schemas.openxmlformats.org/presentationml/2006/main">
+  <p:cSld>
+    <p:spTree>
+      <p:nvGrpSpPr>
+        <p:cNvPr id="1" name=""/>
+        <p:cNvGrpSpPr/>
+        <p:nvPr/>
+      </p:nvGrpSpPr>
+      <p:grpSpPr>
+        <a:xfrm>
+          <a:off x="0" y="0"/>
+          <a:ext cx="0" cy="0"/>
+          <a:chOff x="0" y="0"/>
+          <a:chExt cx="0" cy="0"/>
+        </a:xfrm>
+      </p:grpSpPr>
+      <p:sp>
+        <p:nvSpPr>
+          <p:cNvPr id="2" name="タイトル 1">
+            <a:extLst>
+              <a:ext uri="{FF2B5EF4-FFF2-40B4-BE49-F238E27FC236}">
+                <a16:creationId xmlns:a16="http://schemas.microsoft.com/office/drawing/2014/main" id="{727D34A2-C041-4228-B875-2A13076E4433}"/>
+              </a:ext>
+            </a:extLst>
+          </p:cNvPr>
+          <p:cNvSpPr>
+            <a:spLocks noGrp="1"/>
+          </p:cNvSpPr>
+          <p:nvPr>
+            <p:ph type="title"/>
+          </p:nvPr>
+        </p:nvSpPr>
+        <p:spPr/>
+        <p:txBody>
+          <a:bodyPr/>
+          <a:lstStyle/>
+          <a:p>
+            <a:r>
               <a:rPr kumimoji="1" lang="ja-JP" altLang="en-US" dirty="0"/>
               <a:t>提案したフレームワーク</a:t>
             </a:r>
           </a:p>
         </p:txBody>
       </p:sp>
-      <p:sp>
-        <p:nvSpPr>
-          <p:cNvPr id="4" name="正方形/長方形 3">
-            <a:extLst>
-              <a:ext uri="{FF2B5EF4-FFF2-40B4-BE49-F238E27FC236}">
-                <a16:creationId xmlns:a16="http://schemas.microsoft.com/office/drawing/2014/main" id="{FAC69082-4071-4AB9-B36E-C0B2CE847928}"/>
+      <p:grpSp>
+        <p:nvGrpSpPr>
+          <p:cNvPr id="3" name="グループ化 2">
+            <a:extLst>
+              <a:ext uri="{FF2B5EF4-FFF2-40B4-BE49-F238E27FC236}">
+                <a16:creationId xmlns:a16="http://schemas.microsoft.com/office/drawing/2014/main" id="{15CC3856-4359-9D93-80BF-D6FF3A63F0F4}"/>
+              </a:ext>
+            </a:extLst>
+          </p:cNvPr>
+          <p:cNvGrpSpPr/>
+          <p:nvPr/>
+        </p:nvGrpSpPr>
+        <p:grpSpPr>
+          <a:xfrm>
+            <a:off x="1431177" y="1532317"/>
+            <a:ext cx="9329645" cy="738317"/>
+            <a:chOff x="1805527" y="2444830"/>
+            <a:chExt cx="9329645" cy="738317"/>
+          </a:xfrm>
+        </p:grpSpPr>
+        <p:sp>
+          <p:nvSpPr>
+            <p:cNvPr id="4" name="正方形/長方形 3">
+              <a:extLst>
+                <a:ext uri="{FF2B5EF4-FFF2-40B4-BE49-F238E27FC236}">
+                  <a16:creationId xmlns:a16="http://schemas.microsoft.com/office/drawing/2014/main" id="{FAC69082-4071-4AB9-B36E-C0B2CE847928}"/>
+                </a:ext>
+              </a:extLst>
+            </p:cNvPr>
+            <p:cNvSpPr/>
+            <p:nvPr/>
+          </p:nvSpPr>
+          <p:spPr>
+            <a:xfrm>
+              <a:off x="1805527" y="2467154"/>
+              <a:ext cx="1621766" cy="715993"/>
+            </a:xfrm>
+            <a:prstGeom prst="rect">
+              <a:avLst/>
+            </a:prstGeom>
+            <a:solidFill>
+              <a:srgbClr val="356D64"/>
+            </a:solidFill>
+            <a:ln>
+              <a:noFill/>
+            </a:ln>
+          </p:spPr>
+          <p:style>
+            <a:lnRef idx="2">
+              <a:schemeClr val="accent1">
+                <a:shade val="50000"/>
+              </a:schemeClr>
+            </a:lnRef>
+            <a:fillRef idx="1">
+              <a:schemeClr val="accent1"/>
+            </a:fillRef>
+            <a:effectRef idx="0">
+              <a:schemeClr val="accent1"/>
+            </a:effectRef>
+            <a:fontRef idx="minor">
+              <a:schemeClr val="lt1"/>
+            </a:fontRef>
+          </p:style>
+          <p:txBody>
+            <a:bodyPr rtlCol="0" anchor="ctr"/>
+            <a:lstStyle/>
+            <a:p>
+              <a:pPr algn="ctr"/>
+              <a:r>
+                <a:rPr kumimoji="1" lang="ja-JP" altLang="en-US" sz="2000" dirty="0">
+                  <a:latin typeface="メイリオ" panose="020B0604030504040204" pitchFamily="50" charset="-128"/>
+                  <a:ea typeface="メイリオ" panose="020B0604030504040204" pitchFamily="50" charset="-128"/>
+                </a:rPr>
+                <a:t>機関</a:t>
+              </a:r>
+              <a:r>
+                <a:rPr lang="ja-JP" altLang="en-US" sz="2000" dirty="0">
+                  <a:latin typeface="メイリオ" panose="020B0604030504040204" pitchFamily="50" charset="-128"/>
+                  <a:ea typeface="メイリオ" panose="020B0604030504040204" pitchFamily="50" charset="-128"/>
+                </a:rPr>
+                <a:t>１</a:t>
+              </a:r>
+              <a:endParaRPr lang="en-US" altLang="ja-JP" sz="2000" dirty="0">
+                <a:latin typeface="メイリオ" panose="020B0604030504040204" pitchFamily="50" charset="-128"/>
+                <a:ea typeface="メイリオ" panose="020B0604030504040204" pitchFamily="50" charset="-128"/>
+              </a:endParaRPr>
+            </a:p>
+            <a:p>
+              <a:pPr algn="ctr"/>
+              <a:r>
+                <a:rPr lang="ja-JP" altLang="en-US" sz="2000">
+                  <a:latin typeface="メイリオ" panose="020B0604030504040204" pitchFamily="50" charset="-128"/>
+                  <a:ea typeface="メイリオ" panose="020B0604030504040204" pitchFamily="50" charset="-128"/>
+                </a:rPr>
+                <a:t>元データ</a:t>
+              </a:r>
+              <a:endParaRPr kumimoji="1" lang="en-US" altLang="ja-JP" sz="2000" dirty="0">
+                <a:latin typeface="メイリオ" panose="020B0604030504040204" pitchFamily="50" charset="-128"/>
+                <a:ea typeface="メイリオ" panose="020B0604030504040204" pitchFamily="50" charset="-128"/>
+              </a:endParaRPr>
+            </a:p>
+          </p:txBody>
+        </p:sp>
+        <p:sp>
+          <p:nvSpPr>
+            <p:cNvPr id="6" name="正方形/長方形 5">
+              <a:extLst>
+                <a:ext uri="{FF2B5EF4-FFF2-40B4-BE49-F238E27FC236}">
+                  <a16:creationId xmlns:a16="http://schemas.microsoft.com/office/drawing/2014/main" id="{65EC23E3-7CBD-484B-88EA-AC5C38211E14}"/>
+                </a:ext>
+              </a:extLst>
+            </p:cNvPr>
+            <p:cNvSpPr/>
+            <p:nvPr/>
+          </p:nvSpPr>
+          <p:spPr>
+            <a:xfrm>
+              <a:off x="4374820" y="2467154"/>
+              <a:ext cx="1621766" cy="715993"/>
+            </a:xfrm>
+            <a:prstGeom prst="rect">
+              <a:avLst/>
+            </a:prstGeom>
+            <a:solidFill>
+              <a:srgbClr val="356D64"/>
+            </a:solidFill>
+            <a:ln>
+              <a:noFill/>
+            </a:ln>
+          </p:spPr>
+          <p:style>
+            <a:lnRef idx="2">
+              <a:schemeClr val="accent1">
+                <a:shade val="50000"/>
+              </a:schemeClr>
+            </a:lnRef>
+            <a:fillRef idx="1">
+              <a:schemeClr val="accent1"/>
+            </a:fillRef>
+            <a:effectRef idx="0">
+              <a:schemeClr val="accent1"/>
+            </a:effectRef>
+            <a:fontRef idx="minor">
+              <a:schemeClr val="lt1"/>
+            </a:fontRef>
+          </p:style>
+          <p:txBody>
+            <a:bodyPr rtlCol="0" anchor="ctr"/>
+            <a:lstStyle/>
+            <a:p>
+              <a:pPr algn="ctr"/>
+              <a:r>
+                <a:rPr kumimoji="1" lang="ja-JP" altLang="en-US" sz="2000" dirty="0">
+                  <a:latin typeface="メイリオ" panose="020B0604030504040204" pitchFamily="50" charset="-128"/>
+                  <a:ea typeface="メイリオ" panose="020B0604030504040204" pitchFamily="50" charset="-128"/>
+                </a:rPr>
+                <a:t>機関</a:t>
+              </a:r>
+              <a:r>
+                <a:rPr kumimoji="1" lang="en-US" altLang="ja-JP" sz="2000" dirty="0">
+                  <a:latin typeface="メイリオ" panose="020B0604030504040204" pitchFamily="50" charset="-128"/>
+                  <a:ea typeface="メイリオ" panose="020B0604030504040204" pitchFamily="50" charset="-128"/>
+                </a:rPr>
+                <a:t>2</a:t>
+              </a:r>
+            </a:p>
+            <a:p>
+              <a:pPr algn="ctr"/>
+              <a:r>
+                <a:rPr lang="ja-JP" altLang="en-US" sz="2000">
+                  <a:latin typeface="メイリオ" panose="020B0604030504040204" pitchFamily="50" charset="-128"/>
+                  <a:ea typeface="メイリオ" panose="020B0604030504040204" pitchFamily="50" charset="-128"/>
+                </a:rPr>
+                <a:t>元データ</a:t>
+              </a:r>
+              <a:endParaRPr kumimoji="1" lang="en-US" altLang="ja-JP" sz="2000" dirty="0">
+                <a:latin typeface="メイリオ" panose="020B0604030504040204" pitchFamily="50" charset="-128"/>
+                <a:ea typeface="メイリオ" panose="020B0604030504040204" pitchFamily="50" charset="-128"/>
+              </a:endParaRPr>
+            </a:p>
+          </p:txBody>
+        </p:sp>
+        <p:sp>
+          <p:nvSpPr>
+            <p:cNvPr id="7" name="正方形/長方形 6">
+              <a:extLst>
+                <a:ext uri="{FF2B5EF4-FFF2-40B4-BE49-F238E27FC236}">
+                  <a16:creationId xmlns:a16="http://schemas.microsoft.com/office/drawing/2014/main" id="{37C7B038-B742-426F-A52C-8B60BE8D1947}"/>
+                </a:ext>
+              </a:extLst>
+            </p:cNvPr>
+            <p:cNvSpPr/>
+            <p:nvPr/>
+          </p:nvSpPr>
+          <p:spPr>
+            <a:xfrm>
+              <a:off x="6944113" y="2444830"/>
+              <a:ext cx="1621766" cy="715993"/>
+            </a:xfrm>
+            <a:prstGeom prst="rect">
+              <a:avLst/>
+            </a:prstGeom>
+            <a:solidFill>
+              <a:srgbClr val="356D64"/>
+            </a:solidFill>
+            <a:ln>
+              <a:noFill/>
+            </a:ln>
+          </p:spPr>
+          <p:style>
+            <a:lnRef idx="2">
+              <a:schemeClr val="accent1">
+                <a:shade val="50000"/>
+              </a:schemeClr>
+            </a:lnRef>
+            <a:fillRef idx="1">
+              <a:schemeClr val="accent1"/>
+            </a:fillRef>
+            <a:effectRef idx="0">
+              <a:schemeClr val="accent1"/>
+            </a:effectRef>
+            <a:fontRef idx="minor">
+              <a:schemeClr val="lt1"/>
+            </a:fontRef>
+          </p:style>
+          <p:txBody>
+            <a:bodyPr rtlCol="0" anchor="ctr"/>
+            <a:lstStyle/>
+            <a:p>
+              <a:pPr algn="ctr"/>
+              <a:r>
+                <a:rPr kumimoji="1" lang="ja-JP" altLang="en-US" sz="2000" dirty="0">
+                  <a:latin typeface="メイリオ" panose="020B0604030504040204" pitchFamily="50" charset="-128"/>
+                  <a:ea typeface="メイリオ" panose="020B0604030504040204" pitchFamily="50" charset="-128"/>
+                </a:rPr>
+                <a:t>機関</a:t>
+              </a:r>
+              <a:r>
+                <a:rPr kumimoji="1" lang="en-US" altLang="ja-JP" sz="2000" dirty="0">
+                  <a:latin typeface="メイリオ" panose="020B0604030504040204" pitchFamily="50" charset="-128"/>
+                  <a:ea typeface="メイリオ" panose="020B0604030504040204" pitchFamily="50" charset="-128"/>
+                </a:rPr>
+                <a:t>3</a:t>
+              </a:r>
+            </a:p>
+            <a:p>
+              <a:pPr algn="ctr"/>
+              <a:r>
+                <a:rPr lang="ja-JP" altLang="en-US" sz="2000">
+                  <a:latin typeface="メイリオ" panose="020B0604030504040204" pitchFamily="50" charset="-128"/>
+                  <a:ea typeface="メイリオ" panose="020B0604030504040204" pitchFamily="50" charset="-128"/>
+                </a:rPr>
+                <a:t>元データ</a:t>
+              </a:r>
+              <a:endParaRPr kumimoji="1" lang="en-US" altLang="ja-JP" sz="2000" dirty="0">
+                <a:latin typeface="メイリオ" panose="020B0604030504040204" pitchFamily="50" charset="-128"/>
+                <a:ea typeface="メイリオ" panose="020B0604030504040204" pitchFamily="50" charset="-128"/>
+              </a:endParaRPr>
+            </a:p>
+          </p:txBody>
+        </p:sp>
+        <p:sp>
+          <p:nvSpPr>
+            <p:cNvPr id="8" name="正方形/長方形 7">
+              <a:extLst>
+                <a:ext uri="{FF2B5EF4-FFF2-40B4-BE49-F238E27FC236}">
+                  <a16:creationId xmlns:a16="http://schemas.microsoft.com/office/drawing/2014/main" id="{C002AEE2-6E6E-4E5F-9C98-2757CFA8F66B}"/>
+                </a:ext>
+              </a:extLst>
+            </p:cNvPr>
+            <p:cNvSpPr/>
+            <p:nvPr/>
+          </p:nvSpPr>
+          <p:spPr>
+            <a:xfrm>
+              <a:off x="9513406" y="2444830"/>
+              <a:ext cx="1621766" cy="715993"/>
+            </a:xfrm>
+            <a:prstGeom prst="rect">
+              <a:avLst/>
+            </a:prstGeom>
+            <a:solidFill>
+              <a:srgbClr val="356D64"/>
+            </a:solidFill>
+            <a:ln>
+              <a:noFill/>
+            </a:ln>
+          </p:spPr>
+          <p:style>
+            <a:lnRef idx="2">
+              <a:schemeClr val="accent1">
+                <a:shade val="50000"/>
+              </a:schemeClr>
+            </a:lnRef>
+            <a:fillRef idx="1">
+              <a:schemeClr val="accent1"/>
+            </a:fillRef>
+            <a:effectRef idx="0">
+              <a:schemeClr val="accent1"/>
+            </a:effectRef>
+            <a:fontRef idx="minor">
+              <a:schemeClr val="lt1"/>
+            </a:fontRef>
+          </p:style>
+          <p:txBody>
+            <a:bodyPr rtlCol="0" anchor="ctr"/>
+            <a:lstStyle/>
+            <a:p>
+              <a:pPr algn="ctr"/>
+              <a:r>
+                <a:rPr kumimoji="1" lang="ja-JP" altLang="en-US" sz="2000" dirty="0">
+                  <a:latin typeface="メイリオ" panose="020B0604030504040204" pitchFamily="50" charset="-128"/>
+                  <a:ea typeface="メイリオ" panose="020B0604030504040204" pitchFamily="50" charset="-128"/>
+                </a:rPr>
+                <a:t>機関</a:t>
+              </a:r>
+              <a:r>
+                <a:rPr kumimoji="1" lang="en-US" altLang="ja-JP" sz="2000" dirty="0">
+                  <a:latin typeface="メイリオ" panose="020B0604030504040204" pitchFamily="50" charset="-128"/>
+                  <a:ea typeface="メイリオ" panose="020B0604030504040204" pitchFamily="50" charset="-128"/>
+                </a:rPr>
+                <a:t>4</a:t>
+              </a:r>
+            </a:p>
+            <a:p>
+              <a:pPr algn="ctr"/>
+              <a:r>
+                <a:rPr lang="ja-JP" altLang="en-US" sz="2000">
+                  <a:latin typeface="メイリオ" panose="020B0604030504040204" pitchFamily="50" charset="-128"/>
+                  <a:ea typeface="メイリオ" panose="020B0604030504040204" pitchFamily="50" charset="-128"/>
+                </a:rPr>
+                <a:t>元データ</a:t>
+              </a:r>
+              <a:endParaRPr kumimoji="1" lang="en-US" altLang="ja-JP" sz="2000" dirty="0">
+                <a:latin typeface="メイリオ" panose="020B0604030504040204" pitchFamily="50" charset="-128"/>
+                <a:ea typeface="メイリオ" panose="020B0604030504040204" pitchFamily="50" charset="-128"/>
+              </a:endParaRPr>
+            </a:p>
+          </p:txBody>
+        </p:sp>
+      </p:grpSp>
+      <p:sp>
+        <p:nvSpPr>
+          <p:cNvPr id="15" name="矢印: 右 14">
+            <a:extLst>
+              <a:ext uri="{FF2B5EF4-FFF2-40B4-BE49-F238E27FC236}">
+                <a16:creationId xmlns:a16="http://schemas.microsoft.com/office/drawing/2014/main" id="{D0F5B885-2838-42CE-ADB8-B7EE6D1E3789}"/>
               </a:ext>
             </a:extLst>
           </p:cNvPr>
@@ -4142,367 +4649,9 @@
           <p:nvPr/>
         </p:nvSpPr>
         <p:spPr>
-          <a:xfrm>
-            <a:off x="1227161" y="2467154"/>
-            <a:ext cx="1621766" cy="715993"/>
-          </a:xfrm>
-          <a:prstGeom prst="rect">
-            <a:avLst/>
-          </a:prstGeom>
-          <a:solidFill>
-            <a:srgbClr val="356D64"/>
-          </a:solidFill>
-          <a:ln>
-            <a:noFill/>
-          </a:ln>
-        </p:spPr>
-        <p:style>
-          <a:lnRef idx="2">
-            <a:schemeClr val="accent1">
-              <a:shade val="50000"/>
-            </a:schemeClr>
-          </a:lnRef>
-          <a:fillRef idx="1">
-            <a:schemeClr val="accent1"/>
-          </a:fillRef>
-          <a:effectRef idx="0">
-            <a:schemeClr val="accent1"/>
-          </a:effectRef>
-          <a:fontRef idx="minor">
-            <a:schemeClr val="lt1"/>
-          </a:fontRef>
-        </p:style>
-        <p:txBody>
-          <a:bodyPr rtlCol="0" anchor="ctr"/>
-          <a:lstStyle/>
-          <a:p>
-            <a:pPr algn="ctr"/>
-            <a:r>
-              <a:rPr kumimoji="1" lang="ja-JP" altLang="en-US" sz="2000" dirty="0">
-                <a:latin typeface="メイリオ" panose="020B0604030504040204" pitchFamily="50" charset="-128"/>
-                <a:ea typeface="メイリオ" panose="020B0604030504040204" pitchFamily="50" charset="-128"/>
-              </a:rPr>
-              <a:t>機関</a:t>
-            </a:r>
-            <a:r>
-              <a:rPr lang="ja-JP" altLang="en-US" sz="2000" dirty="0">
-                <a:latin typeface="メイリオ" panose="020B0604030504040204" pitchFamily="50" charset="-128"/>
-                <a:ea typeface="メイリオ" panose="020B0604030504040204" pitchFamily="50" charset="-128"/>
-              </a:rPr>
-              <a:t>１</a:t>
-            </a:r>
-            <a:endParaRPr lang="en-US" altLang="ja-JP" sz="2000" dirty="0">
-              <a:latin typeface="メイリオ" panose="020B0604030504040204" pitchFamily="50" charset="-128"/>
-              <a:ea typeface="メイリオ" panose="020B0604030504040204" pitchFamily="50" charset="-128"/>
-            </a:endParaRPr>
-          </a:p>
-          <a:p>
-            <a:pPr algn="ctr"/>
-            <a:r>
-              <a:rPr lang="ja-JP" altLang="en-US" sz="2000" dirty="0">
-                <a:latin typeface="メイリオ" panose="020B0604030504040204" pitchFamily="50" charset="-128"/>
-                <a:ea typeface="メイリオ" panose="020B0604030504040204" pitchFamily="50" charset="-128"/>
-              </a:rPr>
-              <a:t>データ</a:t>
-            </a:r>
-            <a:endParaRPr kumimoji="1" lang="en-US" altLang="ja-JP" sz="2000" dirty="0">
-              <a:latin typeface="メイリオ" panose="020B0604030504040204" pitchFamily="50" charset="-128"/>
-              <a:ea typeface="メイリオ" panose="020B0604030504040204" pitchFamily="50" charset="-128"/>
-            </a:endParaRPr>
-          </a:p>
-        </p:txBody>
-      </p:sp>
-      <p:sp>
-        <p:nvSpPr>
-          <p:cNvPr id="5" name="テキスト ボックス 4">
-            <a:extLst>
-              <a:ext uri="{FF2B5EF4-FFF2-40B4-BE49-F238E27FC236}">
-                <a16:creationId xmlns:a16="http://schemas.microsoft.com/office/drawing/2014/main" id="{FF2818E2-E9D0-4783-9BCD-2FD50E732EAB}"/>
-              </a:ext>
-            </a:extLst>
-          </p:cNvPr>
-          <p:cNvSpPr txBox="1"/>
-          <p:nvPr/>
-        </p:nvSpPr>
-        <p:spPr>
-          <a:xfrm>
-            <a:off x="560717" y="1651806"/>
-            <a:ext cx="2954655" cy="461665"/>
-          </a:xfrm>
-          <a:prstGeom prst="rect">
-            <a:avLst/>
-          </a:prstGeom>
-          <a:noFill/>
-        </p:spPr>
-        <p:txBody>
-          <a:bodyPr wrap="none" rtlCol="0">
-            <a:spAutoFit/>
-          </a:bodyPr>
-          <a:lstStyle/>
-          <a:p>
-            <a:r>
-              <a:rPr kumimoji="1" lang="ja-JP" altLang="en-US" sz="2400" dirty="0">
-                <a:latin typeface="メイリオ" panose="020B0604030504040204" pitchFamily="50" charset="-128"/>
-                <a:ea typeface="メイリオ" panose="020B0604030504040204" pitchFamily="50" charset="-128"/>
-              </a:rPr>
-              <a:t>元データがある場所</a:t>
-            </a:r>
-          </a:p>
-        </p:txBody>
-      </p:sp>
-      <p:sp>
-        <p:nvSpPr>
-          <p:cNvPr id="6" name="正方形/長方形 5">
-            <a:extLst>
-              <a:ext uri="{FF2B5EF4-FFF2-40B4-BE49-F238E27FC236}">
-                <a16:creationId xmlns:a16="http://schemas.microsoft.com/office/drawing/2014/main" id="{65EC23E3-7CBD-484B-88EA-AC5C38211E14}"/>
-              </a:ext>
-            </a:extLst>
-          </p:cNvPr>
-          <p:cNvSpPr/>
-          <p:nvPr/>
-        </p:nvSpPr>
-        <p:spPr>
-          <a:xfrm>
-            <a:off x="1227161" y="3469256"/>
-            <a:ext cx="1621766" cy="715993"/>
-          </a:xfrm>
-          <a:prstGeom prst="rect">
-            <a:avLst/>
-          </a:prstGeom>
-          <a:solidFill>
-            <a:srgbClr val="356D64"/>
-          </a:solidFill>
-          <a:ln>
-            <a:noFill/>
-          </a:ln>
-        </p:spPr>
-        <p:style>
-          <a:lnRef idx="2">
-            <a:schemeClr val="accent1">
-              <a:shade val="50000"/>
-            </a:schemeClr>
-          </a:lnRef>
-          <a:fillRef idx="1">
-            <a:schemeClr val="accent1"/>
-          </a:fillRef>
-          <a:effectRef idx="0">
-            <a:schemeClr val="accent1"/>
-          </a:effectRef>
-          <a:fontRef idx="minor">
-            <a:schemeClr val="lt1"/>
-          </a:fontRef>
-        </p:style>
-        <p:txBody>
-          <a:bodyPr rtlCol="0" anchor="ctr"/>
-          <a:lstStyle/>
-          <a:p>
-            <a:pPr algn="ctr"/>
-            <a:r>
-              <a:rPr kumimoji="1" lang="ja-JP" altLang="en-US" sz="2000" dirty="0">
-                <a:latin typeface="メイリオ" panose="020B0604030504040204" pitchFamily="50" charset="-128"/>
-                <a:ea typeface="メイリオ" panose="020B0604030504040204" pitchFamily="50" charset="-128"/>
-              </a:rPr>
-              <a:t>機関</a:t>
-            </a:r>
-            <a:r>
-              <a:rPr kumimoji="1" lang="en-US" altLang="ja-JP" sz="2000" dirty="0">
-                <a:latin typeface="メイリオ" panose="020B0604030504040204" pitchFamily="50" charset="-128"/>
-                <a:ea typeface="メイリオ" panose="020B0604030504040204" pitchFamily="50" charset="-128"/>
-              </a:rPr>
-              <a:t>2</a:t>
-            </a:r>
-          </a:p>
-          <a:p>
-            <a:pPr algn="ctr"/>
-            <a:r>
-              <a:rPr lang="ja-JP" altLang="en-US" sz="2000" dirty="0">
-                <a:latin typeface="メイリオ" panose="020B0604030504040204" pitchFamily="50" charset="-128"/>
-                <a:ea typeface="メイリオ" panose="020B0604030504040204" pitchFamily="50" charset="-128"/>
-              </a:rPr>
-              <a:t>データ</a:t>
-            </a:r>
-            <a:endParaRPr kumimoji="1" lang="en-US" altLang="ja-JP" sz="2000" dirty="0">
-              <a:latin typeface="メイリオ" panose="020B0604030504040204" pitchFamily="50" charset="-128"/>
-              <a:ea typeface="メイリオ" panose="020B0604030504040204" pitchFamily="50" charset="-128"/>
-            </a:endParaRPr>
-          </a:p>
-        </p:txBody>
-      </p:sp>
-      <p:sp>
-        <p:nvSpPr>
-          <p:cNvPr id="7" name="正方形/長方形 6">
-            <a:extLst>
-              <a:ext uri="{FF2B5EF4-FFF2-40B4-BE49-F238E27FC236}">
-                <a16:creationId xmlns:a16="http://schemas.microsoft.com/office/drawing/2014/main" id="{37C7B038-B742-426F-A52C-8B60BE8D1947}"/>
-              </a:ext>
-            </a:extLst>
-          </p:cNvPr>
-          <p:cNvSpPr/>
-          <p:nvPr/>
-        </p:nvSpPr>
-        <p:spPr>
-          <a:xfrm>
-            <a:off x="1227161" y="4471358"/>
-            <a:ext cx="1621766" cy="715993"/>
-          </a:xfrm>
-          <a:prstGeom prst="rect">
-            <a:avLst/>
-          </a:prstGeom>
-          <a:solidFill>
-            <a:srgbClr val="356D64"/>
-          </a:solidFill>
-          <a:ln>
-            <a:noFill/>
-          </a:ln>
-        </p:spPr>
-        <p:style>
-          <a:lnRef idx="2">
-            <a:schemeClr val="accent1">
-              <a:shade val="50000"/>
-            </a:schemeClr>
-          </a:lnRef>
-          <a:fillRef idx="1">
-            <a:schemeClr val="accent1"/>
-          </a:fillRef>
-          <a:effectRef idx="0">
-            <a:schemeClr val="accent1"/>
-          </a:effectRef>
-          <a:fontRef idx="minor">
-            <a:schemeClr val="lt1"/>
-          </a:fontRef>
-        </p:style>
-        <p:txBody>
-          <a:bodyPr rtlCol="0" anchor="ctr"/>
-          <a:lstStyle/>
-          <a:p>
-            <a:pPr algn="ctr"/>
-            <a:r>
-              <a:rPr kumimoji="1" lang="ja-JP" altLang="en-US" sz="2000" dirty="0">
-                <a:latin typeface="メイリオ" panose="020B0604030504040204" pitchFamily="50" charset="-128"/>
-                <a:ea typeface="メイリオ" panose="020B0604030504040204" pitchFamily="50" charset="-128"/>
-              </a:rPr>
-              <a:t>機関</a:t>
-            </a:r>
-            <a:r>
-              <a:rPr kumimoji="1" lang="en-US" altLang="ja-JP" sz="2000" dirty="0">
-                <a:latin typeface="メイリオ" panose="020B0604030504040204" pitchFamily="50" charset="-128"/>
-                <a:ea typeface="メイリオ" panose="020B0604030504040204" pitchFamily="50" charset="-128"/>
-              </a:rPr>
-              <a:t>3</a:t>
-            </a:r>
-          </a:p>
-          <a:p>
-            <a:pPr algn="ctr"/>
-            <a:r>
-              <a:rPr lang="ja-JP" altLang="en-US" sz="2000" dirty="0">
-                <a:latin typeface="メイリオ" panose="020B0604030504040204" pitchFamily="50" charset="-128"/>
-                <a:ea typeface="メイリオ" panose="020B0604030504040204" pitchFamily="50" charset="-128"/>
-              </a:rPr>
-              <a:t>データ</a:t>
-            </a:r>
-            <a:endParaRPr kumimoji="1" lang="en-US" altLang="ja-JP" sz="2000" dirty="0">
-              <a:latin typeface="メイリオ" panose="020B0604030504040204" pitchFamily="50" charset="-128"/>
-              <a:ea typeface="メイリオ" panose="020B0604030504040204" pitchFamily="50" charset="-128"/>
-            </a:endParaRPr>
-          </a:p>
-        </p:txBody>
-      </p:sp>
-      <p:sp>
-        <p:nvSpPr>
-          <p:cNvPr id="8" name="正方形/長方形 7">
-            <a:extLst>
-              <a:ext uri="{FF2B5EF4-FFF2-40B4-BE49-F238E27FC236}">
-                <a16:creationId xmlns:a16="http://schemas.microsoft.com/office/drawing/2014/main" id="{C002AEE2-6E6E-4E5F-9C98-2757CFA8F66B}"/>
-              </a:ext>
-            </a:extLst>
-          </p:cNvPr>
-          <p:cNvSpPr/>
-          <p:nvPr/>
-        </p:nvSpPr>
-        <p:spPr>
-          <a:xfrm>
-            <a:off x="1227161" y="5473460"/>
-            <a:ext cx="1621766" cy="715993"/>
-          </a:xfrm>
-          <a:prstGeom prst="rect">
-            <a:avLst/>
-          </a:prstGeom>
-          <a:solidFill>
-            <a:srgbClr val="356D64"/>
-          </a:solidFill>
-          <a:ln>
-            <a:noFill/>
-          </a:ln>
-        </p:spPr>
-        <p:style>
-          <a:lnRef idx="2">
-            <a:schemeClr val="accent1">
-              <a:shade val="50000"/>
-            </a:schemeClr>
-          </a:lnRef>
-          <a:fillRef idx="1">
-            <a:schemeClr val="accent1"/>
-          </a:fillRef>
-          <a:effectRef idx="0">
-            <a:schemeClr val="accent1"/>
-          </a:effectRef>
-          <a:fontRef idx="minor">
-            <a:schemeClr val="lt1"/>
-          </a:fontRef>
-        </p:style>
-        <p:txBody>
-          <a:bodyPr rtlCol="0" anchor="ctr"/>
-          <a:lstStyle/>
-          <a:p>
-            <a:pPr algn="ctr"/>
-            <a:r>
-              <a:rPr kumimoji="1" lang="ja-JP" altLang="en-US" sz="2000" dirty="0">
-                <a:latin typeface="メイリオ" panose="020B0604030504040204" pitchFamily="50" charset="-128"/>
-                <a:ea typeface="メイリオ" panose="020B0604030504040204" pitchFamily="50" charset="-128"/>
-              </a:rPr>
-              <a:t>機関</a:t>
-            </a:r>
-            <a:r>
-              <a:rPr kumimoji="1" lang="en-US" altLang="ja-JP" sz="2000" dirty="0">
-                <a:latin typeface="メイリオ" panose="020B0604030504040204" pitchFamily="50" charset="-128"/>
-                <a:ea typeface="メイリオ" panose="020B0604030504040204" pitchFamily="50" charset="-128"/>
-              </a:rPr>
-              <a:t>4</a:t>
-            </a:r>
-          </a:p>
-          <a:p>
-            <a:pPr algn="ctr"/>
-            <a:r>
-              <a:rPr lang="ja-JP" altLang="en-US" sz="2000" dirty="0">
-                <a:latin typeface="メイリオ" panose="020B0604030504040204" pitchFamily="50" charset="-128"/>
-                <a:ea typeface="メイリオ" panose="020B0604030504040204" pitchFamily="50" charset="-128"/>
-              </a:rPr>
-              <a:t>データ</a:t>
-            </a:r>
-            <a:endParaRPr kumimoji="1" lang="en-US" altLang="ja-JP" sz="2000" dirty="0">
-              <a:latin typeface="メイリオ" panose="020B0604030504040204" pitchFamily="50" charset="-128"/>
-              <a:ea typeface="メイリオ" panose="020B0604030504040204" pitchFamily="50" charset="-128"/>
-            </a:endParaRPr>
-          </a:p>
-        </p:txBody>
-      </p:sp>
-      <p:sp>
-        <p:nvSpPr>
-          <p:cNvPr id="9" name="矢印: 右 8">
-            <a:extLst>
-              <a:ext uri="{FF2B5EF4-FFF2-40B4-BE49-F238E27FC236}">
-                <a16:creationId xmlns:a16="http://schemas.microsoft.com/office/drawing/2014/main" id="{67DF4D1E-F534-4002-937D-2697F9FFDA21}"/>
-              </a:ext>
-            </a:extLst>
-          </p:cNvPr>
-          <p:cNvSpPr/>
-          <p:nvPr/>
-        </p:nvSpPr>
-        <p:spPr>
-          <a:xfrm>
-            <a:off x="3045124" y="2680658"/>
-            <a:ext cx="1552755" cy="288984"/>
+          <a:xfrm rot="5400000">
+            <a:off x="1873306" y="2593427"/>
+            <a:ext cx="737508" cy="288984"/>
           </a:xfrm>
           <a:prstGeom prst="rightArrow">
             <a:avLst/>
@@ -4544,10 +4693,10 @@
       </p:sp>
       <p:sp>
         <p:nvSpPr>
-          <p:cNvPr id="13" name="正方形/長方形 12">
-            <a:extLst>
-              <a:ext uri="{FF2B5EF4-FFF2-40B4-BE49-F238E27FC236}">
-                <a16:creationId xmlns:a16="http://schemas.microsoft.com/office/drawing/2014/main" id="{4EB886BF-C7AB-4404-94C9-4B096755DBCA}"/>
+          <p:cNvPr id="17" name="矢印: 右 14">
+            <a:extLst>
+              <a:ext uri="{FF2B5EF4-FFF2-40B4-BE49-F238E27FC236}">
+                <a16:creationId xmlns:a16="http://schemas.microsoft.com/office/drawing/2014/main" id="{5BAE8784-A70E-E94B-0C63-2A74AB499A67}"/>
               </a:ext>
             </a:extLst>
           </p:cNvPr>
@@ -4555,55 +4704,9 @@
           <p:nvPr/>
         </p:nvSpPr>
         <p:spPr>
-          <a:xfrm>
-            <a:off x="5607170" y="2380891"/>
-            <a:ext cx="1345721" cy="3808562"/>
-          </a:xfrm>
-          <a:prstGeom prst="rect">
-            <a:avLst/>
-          </a:prstGeom>
-        </p:spPr>
-        <p:style>
-          <a:lnRef idx="2">
-            <a:schemeClr val="accent1">
-              <a:shade val="50000"/>
-            </a:schemeClr>
-          </a:lnRef>
-          <a:fillRef idx="1">
-            <a:schemeClr val="accent1"/>
-          </a:fillRef>
-          <a:effectRef idx="0">
-            <a:schemeClr val="accent1"/>
-          </a:effectRef>
-          <a:fontRef idx="minor">
-            <a:schemeClr val="lt1"/>
-          </a:fontRef>
-        </p:style>
-        <p:txBody>
-          <a:bodyPr rtlCol="0" anchor="ctr"/>
-          <a:lstStyle/>
-          <a:p>
-            <a:pPr algn="ctr"/>
-            <a:endParaRPr kumimoji="1" lang="ja-JP" altLang="en-US"/>
-          </a:p>
-        </p:txBody>
-      </p:sp>
-      <p:sp>
-        <p:nvSpPr>
-          <p:cNvPr id="14" name="矢印: 右 13">
-            <a:extLst>
-              <a:ext uri="{FF2B5EF4-FFF2-40B4-BE49-F238E27FC236}">
-                <a16:creationId xmlns:a16="http://schemas.microsoft.com/office/drawing/2014/main" id="{63B217E7-46B9-40E7-BDE8-EF7EF87ECA5C}"/>
-              </a:ext>
-            </a:extLst>
-          </p:cNvPr>
-          <p:cNvSpPr/>
-          <p:nvPr/>
-        </p:nvSpPr>
-        <p:spPr>
-          <a:xfrm>
-            <a:off x="3045123" y="3682760"/>
-            <a:ext cx="1552755" cy="288984"/>
+          <a:xfrm rot="5400000">
+            <a:off x="4442599" y="2593427"/>
+            <a:ext cx="737508" cy="288984"/>
           </a:xfrm>
           <a:prstGeom prst="rightArrow">
             <a:avLst/>
@@ -4645,10 +4748,10 @@
       </p:sp>
       <p:sp>
         <p:nvSpPr>
-          <p:cNvPr id="15" name="矢印: 右 14">
-            <a:extLst>
-              <a:ext uri="{FF2B5EF4-FFF2-40B4-BE49-F238E27FC236}">
-                <a16:creationId xmlns:a16="http://schemas.microsoft.com/office/drawing/2014/main" id="{D0F5B885-2838-42CE-ADB8-B7EE6D1E3789}"/>
+          <p:cNvPr id="18" name="矢印: 右 14">
+            <a:extLst>
+              <a:ext uri="{FF2B5EF4-FFF2-40B4-BE49-F238E27FC236}">
+                <a16:creationId xmlns:a16="http://schemas.microsoft.com/office/drawing/2014/main" id="{DDBA17BA-7F76-A00C-1DCC-CAD01F74A709}"/>
               </a:ext>
             </a:extLst>
           </p:cNvPr>
@@ -4656,9 +4759,9 @@
           <p:nvPr/>
         </p:nvSpPr>
         <p:spPr>
-          <a:xfrm>
-            <a:off x="3045122" y="4684862"/>
-            <a:ext cx="1552755" cy="288984"/>
+          <a:xfrm rot="5400000">
+            <a:off x="7011892" y="2593427"/>
+            <a:ext cx="737508" cy="288984"/>
           </a:xfrm>
           <a:prstGeom prst="rightArrow">
             <a:avLst/>
@@ -4700,10 +4803,10 @@
       </p:sp>
       <p:sp>
         <p:nvSpPr>
-          <p:cNvPr id="16" name="矢印: 右 15">
-            <a:extLst>
-              <a:ext uri="{FF2B5EF4-FFF2-40B4-BE49-F238E27FC236}">
-                <a16:creationId xmlns:a16="http://schemas.microsoft.com/office/drawing/2014/main" id="{729D954D-AC9C-4F3B-855C-DEABBB022000}"/>
+          <p:cNvPr id="19" name="矢印: 右 14">
+            <a:extLst>
+              <a:ext uri="{FF2B5EF4-FFF2-40B4-BE49-F238E27FC236}">
+                <a16:creationId xmlns:a16="http://schemas.microsoft.com/office/drawing/2014/main" id="{7A776FC9-0F42-2EC8-8B47-5CB303A6C281}"/>
               </a:ext>
             </a:extLst>
           </p:cNvPr>
@@ -4711,9 +4814,9 @@
           <p:nvPr/>
         </p:nvSpPr>
         <p:spPr>
-          <a:xfrm>
-            <a:off x="3045121" y="5686964"/>
-            <a:ext cx="1552755" cy="288984"/>
+          <a:xfrm rot="5400000">
+            <a:off x="9581186" y="2593427"/>
+            <a:ext cx="737508" cy="288984"/>
           </a:xfrm>
           <a:prstGeom prst="rightArrow">
             <a:avLst/>
@@ -4753,10 +4856,3322 @@
           </a:p>
         </p:txBody>
       </p:sp>
+      <mc:AlternateContent xmlns:mc="http://schemas.openxmlformats.org/markup-compatibility/2006">
+        <mc:Choice xmlns:a14="http://schemas.microsoft.com/office/drawing/2010/main" Requires="a14">
+          <p:sp>
+            <p:nvSpPr>
+              <p:cNvPr id="10" name="テキスト ボックス 9">
+                <a:extLst>
+                  <a:ext uri="{FF2B5EF4-FFF2-40B4-BE49-F238E27FC236}">
+                    <a16:creationId xmlns:a16="http://schemas.microsoft.com/office/drawing/2014/main" id="{DDF7EC78-D401-EA50-9FDA-AFC9912F51B5}"/>
+                  </a:ext>
+                </a:extLst>
+              </p:cNvPr>
+              <p:cNvSpPr txBox="1"/>
+              <p:nvPr/>
+            </p:nvSpPr>
+            <p:spPr>
+              <a:xfrm>
+                <a:off x="1752089" y="2553253"/>
+                <a:ext cx="345479" cy="369332"/>
+              </a:xfrm>
+              <a:prstGeom prst="rect">
+                <a:avLst/>
+              </a:prstGeom>
+              <a:noFill/>
+            </p:spPr>
+            <p:txBody>
+              <a:bodyPr wrap="none" lIns="0" tIns="0" rIns="0" bIns="0" rtlCol="0">
+                <a:spAutoFit/>
+              </a:bodyPr>
+              <a:lstStyle/>
+              <a:p>
+                <a14:m>
+                  <m:oMathPara xmlns:m="http://schemas.openxmlformats.org/officeDocument/2006/math">
+                    <m:oMathParaPr>
+                      <m:jc m:val="centerGroup"/>
+                    </m:oMathParaPr>
+                    <m:oMath xmlns:m="http://schemas.openxmlformats.org/officeDocument/2006/math">
+                      <m:sSub>
+                        <m:sSubPr>
+                          <m:ctrlPr>
+                            <a:rPr kumimoji="1" lang="en-US" altLang="ja-JP" sz="2400" b="0" i="1" smtClean="0">
+                              <a:latin typeface="Cambria Math" panose="02040503050406030204" pitchFamily="18" charset="0"/>
+                            </a:rPr>
+                          </m:ctrlPr>
+                        </m:sSubPr>
+                        <m:e>
+                          <m:r>
+                            <a:rPr kumimoji="1" lang="en-US" altLang="ja-JP" sz="2400" b="0" i="1" smtClean="0">
+                              <a:latin typeface="Cambria Math" panose="02040503050406030204" pitchFamily="18" charset="0"/>
+                            </a:rPr>
+                            <m:t>𝑓</m:t>
+                          </m:r>
+                        </m:e>
+                        <m:sub>
+                          <m:r>
+                            <a:rPr kumimoji="1" lang="en-US" altLang="ja-JP" sz="2400" b="0" i="1" smtClean="0">
+                              <a:latin typeface="Cambria Math" panose="02040503050406030204" pitchFamily="18" charset="0"/>
+                            </a:rPr>
+                            <m:t>1</m:t>
+                          </m:r>
+                        </m:sub>
+                      </m:sSub>
+                    </m:oMath>
+                  </m:oMathPara>
+                </a14:m>
+                <a:endParaRPr kumimoji="1" lang="ja-JP" altLang="en-US" sz="2400"/>
+              </a:p>
+            </p:txBody>
+          </p:sp>
+        </mc:Choice>
+        <mc:Fallback>
+          <p:sp>
+            <p:nvSpPr>
+              <p:cNvPr id="10" name="テキスト ボックス 9">
+                <a:extLst>
+                  <a:ext uri="{FF2B5EF4-FFF2-40B4-BE49-F238E27FC236}">
+                    <a16:creationId xmlns:a16="http://schemas.microsoft.com/office/drawing/2014/main" id="{DDF7EC78-D401-EA50-9FDA-AFC9912F51B5}"/>
+                  </a:ext>
+                </a:extLst>
+              </p:cNvPr>
+              <p:cNvSpPr txBox="1">
+                <a:spLocks noRot="1" noChangeAspect="1" noMove="1" noResize="1" noEditPoints="1" noAdjustHandles="1" noChangeArrowheads="1" noChangeShapeType="1" noTextEdit="1"/>
+              </p:cNvSpPr>
+              <p:nvPr/>
+            </p:nvSpPr>
+            <p:spPr>
+              <a:xfrm>
+                <a:off x="1752089" y="2553253"/>
+                <a:ext cx="345479" cy="369332"/>
+              </a:xfrm>
+              <a:prstGeom prst="rect">
+                <a:avLst/>
+              </a:prstGeom>
+              <a:blipFill>
+                <a:blip r:embed="rId2"/>
+                <a:stretch>
+                  <a:fillRect l="-24138" t="-3448" r="-3448" b="-34483"/>
+                </a:stretch>
+              </a:blipFill>
+            </p:spPr>
+            <p:txBody>
+              <a:bodyPr/>
+              <a:lstStyle/>
+              <a:p>
+                <a:r>
+                  <a:rPr lang="ja-JP" altLang="en-US">
+                    <a:noFill/>
+                  </a:rPr>
+                  <a:t> </a:t>
+                </a:r>
+              </a:p>
+            </p:txBody>
+          </p:sp>
+        </mc:Fallback>
+      </mc:AlternateContent>
+      <mc:AlternateContent xmlns:mc="http://schemas.openxmlformats.org/markup-compatibility/2006">
+        <mc:Choice xmlns:a14="http://schemas.microsoft.com/office/drawing/2010/main" Requires="a14">
+          <p:sp>
+            <p:nvSpPr>
+              <p:cNvPr id="20" name="テキスト ボックス 19">
+                <a:extLst>
+                  <a:ext uri="{FF2B5EF4-FFF2-40B4-BE49-F238E27FC236}">
+                    <a16:creationId xmlns:a16="http://schemas.microsoft.com/office/drawing/2014/main" id="{7EB5C8D5-F053-63B7-B2FC-A3304D52A81F}"/>
+                  </a:ext>
+                </a:extLst>
+              </p:cNvPr>
+              <p:cNvSpPr txBox="1"/>
+              <p:nvPr/>
+            </p:nvSpPr>
+            <p:spPr>
+              <a:xfrm>
+                <a:off x="4359599" y="2553253"/>
+                <a:ext cx="352597" cy="369332"/>
+              </a:xfrm>
+              <a:prstGeom prst="rect">
+                <a:avLst/>
+              </a:prstGeom>
+              <a:noFill/>
+            </p:spPr>
+            <p:txBody>
+              <a:bodyPr wrap="none" lIns="0" tIns="0" rIns="0" bIns="0" rtlCol="0">
+                <a:spAutoFit/>
+              </a:bodyPr>
+              <a:lstStyle/>
+              <a:p>
+                <a14:m>
+                  <m:oMathPara xmlns:m="http://schemas.openxmlformats.org/officeDocument/2006/math">
+                    <m:oMathParaPr>
+                      <m:jc m:val="centerGroup"/>
+                    </m:oMathParaPr>
+                    <m:oMath xmlns:m="http://schemas.openxmlformats.org/officeDocument/2006/math">
+                      <m:sSub>
+                        <m:sSubPr>
+                          <m:ctrlPr>
+                            <a:rPr kumimoji="1" lang="en-US" altLang="ja-JP" sz="2400" b="0" i="1" smtClean="0">
+                              <a:latin typeface="Cambria Math" panose="02040503050406030204" pitchFamily="18" charset="0"/>
+                            </a:rPr>
+                          </m:ctrlPr>
+                        </m:sSubPr>
+                        <m:e>
+                          <m:r>
+                            <a:rPr kumimoji="1" lang="en-US" altLang="ja-JP" sz="2400" b="0" i="1" smtClean="0">
+                              <a:latin typeface="Cambria Math" panose="02040503050406030204" pitchFamily="18" charset="0"/>
+                            </a:rPr>
+                            <m:t>𝑓</m:t>
+                          </m:r>
+                        </m:e>
+                        <m:sub>
+                          <m:r>
+                            <a:rPr kumimoji="1" lang="en-US" altLang="ja-JP" sz="2400" b="0" i="1" smtClean="0">
+                              <a:latin typeface="Cambria Math" panose="02040503050406030204" pitchFamily="18" charset="0"/>
+                            </a:rPr>
+                            <m:t>2</m:t>
+                          </m:r>
+                        </m:sub>
+                      </m:sSub>
+                    </m:oMath>
+                  </m:oMathPara>
+                </a14:m>
+                <a:endParaRPr kumimoji="1" lang="ja-JP" altLang="en-US" sz="2400"/>
+              </a:p>
+            </p:txBody>
+          </p:sp>
+        </mc:Choice>
+        <mc:Fallback>
+          <p:sp>
+            <p:nvSpPr>
+              <p:cNvPr id="20" name="テキスト ボックス 19">
+                <a:extLst>
+                  <a:ext uri="{FF2B5EF4-FFF2-40B4-BE49-F238E27FC236}">
+                    <a16:creationId xmlns:a16="http://schemas.microsoft.com/office/drawing/2014/main" id="{7EB5C8D5-F053-63B7-B2FC-A3304D52A81F}"/>
+                  </a:ext>
+                </a:extLst>
+              </p:cNvPr>
+              <p:cNvSpPr txBox="1">
+                <a:spLocks noRot="1" noChangeAspect="1" noMove="1" noResize="1" noEditPoints="1" noAdjustHandles="1" noChangeArrowheads="1" noChangeShapeType="1" noTextEdit="1"/>
+              </p:cNvSpPr>
+              <p:nvPr/>
+            </p:nvSpPr>
+            <p:spPr>
+              <a:xfrm>
+                <a:off x="4359599" y="2553253"/>
+                <a:ext cx="352597" cy="369332"/>
+              </a:xfrm>
+              <a:prstGeom prst="rect">
+                <a:avLst/>
+              </a:prstGeom>
+              <a:blipFill>
+                <a:blip r:embed="rId3"/>
+                <a:stretch>
+                  <a:fillRect l="-27586" t="-3448" b="-34483"/>
+                </a:stretch>
+              </a:blipFill>
+            </p:spPr>
+            <p:txBody>
+              <a:bodyPr/>
+              <a:lstStyle/>
+              <a:p>
+                <a:r>
+                  <a:rPr lang="ja-JP" altLang="en-US">
+                    <a:noFill/>
+                  </a:rPr>
+                  <a:t> </a:t>
+                </a:r>
+              </a:p>
+            </p:txBody>
+          </p:sp>
+        </mc:Fallback>
+      </mc:AlternateContent>
+      <mc:AlternateContent xmlns:mc="http://schemas.openxmlformats.org/markup-compatibility/2006">
+        <mc:Choice xmlns:a14="http://schemas.microsoft.com/office/drawing/2010/main" Requires="a14">
+          <p:sp>
+            <p:nvSpPr>
+              <p:cNvPr id="21" name="テキスト ボックス 20">
+                <a:extLst>
+                  <a:ext uri="{FF2B5EF4-FFF2-40B4-BE49-F238E27FC236}">
+                    <a16:creationId xmlns:a16="http://schemas.microsoft.com/office/drawing/2014/main" id="{9E63FCE4-F0CC-02E2-7D4A-1C1ED013CCA2}"/>
+                  </a:ext>
+                </a:extLst>
+              </p:cNvPr>
+              <p:cNvSpPr txBox="1"/>
+              <p:nvPr/>
+            </p:nvSpPr>
+            <p:spPr>
+              <a:xfrm>
+                <a:off x="6890675" y="2553253"/>
+                <a:ext cx="352597" cy="369332"/>
+              </a:xfrm>
+              <a:prstGeom prst="rect">
+                <a:avLst/>
+              </a:prstGeom>
+              <a:noFill/>
+            </p:spPr>
+            <p:txBody>
+              <a:bodyPr wrap="none" lIns="0" tIns="0" rIns="0" bIns="0" rtlCol="0">
+                <a:spAutoFit/>
+              </a:bodyPr>
+              <a:lstStyle/>
+              <a:p>
+                <a14:m>
+                  <m:oMathPara xmlns:m="http://schemas.openxmlformats.org/officeDocument/2006/math">
+                    <m:oMathParaPr>
+                      <m:jc m:val="centerGroup"/>
+                    </m:oMathParaPr>
+                    <m:oMath xmlns:m="http://schemas.openxmlformats.org/officeDocument/2006/math">
+                      <m:sSub>
+                        <m:sSubPr>
+                          <m:ctrlPr>
+                            <a:rPr kumimoji="1" lang="en-US" altLang="ja-JP" sz="2400" b="0" i="1" smtClean="0">
+                              <a:latin typeface="Cambria Math" panose="02040503050406030204" pitchFamily="18" charset="0"/>
+                            </a:rPr>
+                          </m:ctrlPr>
+                        </m:sSubPr>
+                        <m:e>
+                          <m:r>
+                            <a:rPr kumimoji="1" lang="en-US" altLang="ja-JP" sz="2400" b="0" i="1" smtClean="0">
+                              <a:latin typeface="Cambria Math" panose="02040503050406030204" pitchFamily="18" charset="0"/>
+                            </a:rPr>
+                            <m:t>𝑓</m:t>
+                          </m:r>
+                        </m:e>
+                        <m:sub>
+                          <m:r>
+                            <a:rPr kumimoji="1" lang="en-US" altLang="ja-JP" sz="2400" b="0" i="1" smtClean="0">
+                              <a:latin typeface="Cambria Math" panose="02040503050406030204" pitchFamily="18" charset="0"/>
+                            </a:rPr>
+                            <m:t>3</m:t>
+                          </m:r>
+                        </m:sub>
+                      </m:sSub>
+                    </m:oMath>
+                  </m:oMathPara>
+                </a14:m>
+                <a:endParaRPr kumimoji="1" lang="ja-JP" altLang="en-US" sz="2400"/>
+              </a:p>
+            </p:txBody>
+          </p:sp>
+        </mc:Choice>
+        <mc:Fallback>
+          <p:sp>
+            <p:nvSpPr>
+              <p:cNvPr id="21" name="テキスト ボックス 20">
+                <a:extLst>
+                  <a:ext uri="{FF2B5EF4-FFF2-40B4-BE49-F238E27FC236}">
+                    <a16:creationId xmlns:a16="http://schemas.microsoft.com/office/drawing/2014/main" id="{9E63FCE4-F0CC-02E2-7D4A-1C1ED013CCA2}"/>
+                  </a:ext>
+                </a:extLst>
+              </p:cNvPr>
+              <p:cNvSpPr txBox="1">
+                <a:spLocks noRot="1" noChangeAspect="1" noMove="1" noResize="1" noEditPoints="1" noAdjustHandles="1" noChangeArrowheads="1" noChangeShapeType="1" noTextEdit="1"/>
+              </p:cNvSpPr>
+              <p:nvPr/>
+            </p:nvSpPr>
+            <p:spPr>
+              <a:xfrm>
+                <a:off x="6890675" y="2553253"/>
+                <a:ext cx="352597" cy="369332"/>
+              </a:xfrm>
+              <a:prstGeom prst="rect">
+                <a:avLst/>
+              </a:prstGeom>
+              <a:blipFill>
+                <a:blip r:embed="rId4"/>
+                <a:stretch>
+                  <a:fillRect l="-27586" t="-3448" r="-3448" b="-34483"/>
+                </a:stretch>
+              </a:blipFill>
+            </p:spPr>
+            <p:txBody>
+              <a:bodyPr/>
+              <a:lstStyle/>
+              <a:p>
+                <a:r>
+                  <a:rPr lang="ja-JP" altLang="en-US">
+                    <a:noFill/>
+                  </a:rPr>
+                  <a:t> </a:t>
+                </a:r>
+              </a:p>
+            </p:txBody>
+          </p:sp>
+        </mc:Fallback>
+      </mc:AlternateContent>
+      <mc:AlternateContent xmlns:mc="http://schemas.openxmlformats.org/markup-compatibility/2006">
+        <mc:Choice xmlns:a14="http://schemas.microsoft.com/office/drawing/2010/main" Requires="a14">
+          <p:sp>
+            <p:nvSpPr>
+              <p:cNvPr id="22" name="テキスト ボックス 21">
+                <a:extLst>
+                  <a:ext uri="{FF2B5EF4-FFF2-40B4-BE49-F238E27FC236}">
+                    <a16:creationId xmlns:a16="http://schemas.microsoft.com/office/drawing/2014/main" id="{A1FF21F8-7007-4833-92ED-6F307E7139EC}"/>
+                  </a:ext>
+                </a:extLst>
+              </p:cNvPr>
+              <p:cNvSpPr txBox="1"/>
+              <p:nvPr/>
+            </p:nvSpPr>
+            <p:spPr>
+              <a:xfrm>
+                <a:off x="9459968" y="2551673"/>
+                <a:ext cx="340606" cy="369332"/>
+              </a:xfrm>
+              <a:prstGeom prst="rect">
+                <a:avLst/>
+              </a:prstGeom>
+              <a:noFill/>
+            </p:spPr>
+            <p:txBody>
+              <a:bodyPr wrap="none" lIns="0" tIns="0" rIns="0" bIns="0" rtlCol="0">
+                <a:spAutoFit/>
+              </a:bodyPr>
+              <a:lstStyle/>
+              <a:p>
+                <a14:m>
+                  <m:oMathPara xmlns:m="http://schemas.openxmlformats.org/officeDocument/2006/math">
+                    <m:oMathParaPr>
+                      <m:jc m:val="centerGroup"/>
+                    </m:oMathParaPr>
+                    <m:oMath xmlns:m="http://schemas.openxmlformats.org/officeDocument/2006/math">
+                      <m:sSub>
+                        <m:sSubPr>
+                          <m:ctrlPr>
+                            <a:rPr kumimoji="1" lang="en-US" altLang="ja-JP" sz="2400" b="0" i="1" smtClean="0">
+                              <a:latin typeface="Cambria Math" panose="02040503050406030204" pitchFamily="18" charset="0"/>
+                            </a:rPr>
+                          </m:ctrlPr>
+                        </m:sSubPr>
+                        <m:e>
+                          <m:r>
+                            <a:rPr kumimoji="1" lang="en-US" altLang="ja-JP" sz="2400" b="0" i="1" smtClean="0">
+                              <a:latin typeface="Cambria Math" panose="02040503050406030204" pitchFamily="18" charset="0"/>
+                            </a:rPr>
+                            <m:t>𝑓</m:t>
+                          </m:r>
+                        </m:e>
+                        <m:sub>
+                          <m:r>
+                            <a:rPr kumimoji="1" lang="en-US" altLang="ja-JP" sz="2400" b="0" i="1" smtClean="0">
+                              <a:latin typeface="Cambria Math" panose="02040503050406030204" pitchFamily="18" charset="0"/>
+                            </a:rPr>
+                            <m:t>4</m:t>
+                          </m:r>
+                        </m:sub>
+                      </m:sSub>
+                    </m:oMath>
+                  </m:oMathPara>
+                </a14:m>
+                <a:endParaRPr kumimoji="1" lang="ja-JP" altLang="en-US" sz="2400"/>
+              </a:p>
+            </p:txBody>
+          </p:sp>
+        </mc:Choice>
+        <mc:Fallback>
+          <p:sp>
+            <p:nvSpPr>
+              <p:cNvPr id="22" name="テキスト ボックス 21">
+                <a:extLst>
+                  <a:ext uri="{FF2B5EF4-FFF2-40B4-BE49-F238E27FC236}">
+                    <a16:creationId xmlns:a16="http://schemas.microsoft.com/office/drawing/2014/main" id="{A1FF21F8-7007-4833-92ED-6F307E7139EC}"/>
+                  </a:ext>
+                </a:extLst>
+              </p:cNvPr>
+              <p:cNvSpPr txBox="1">
+                <a:spLocks noRot="1" noChangeAspect="1" noMove="1" noResize="1" noEditPoints="1" noAdjustHandles="1" noChangeArrowheads="1" noChangeShapeType="1" noTextEdit="1"/>
+              </p:cNvSpPr>
+              <p:nvPr/>
+            </p:nvSpPr>
+            <p:spPr>
+              <a:xfrm>
+                <a:off x="9459968" y="2551673"/>
+                <a:ext cx="340606" cy="369332"/>
+              </a:xfrm>
+              <a:prstGeom prst="rect">
+                <a:avLst/>
+              </a:prstGeom>
+              <a:blipFill>
+                <a:blip r:embed="rId5"/>
+                <a:stretch>
+                  <a:fillRect l="-25000" t="-3448" r="-3571" b="-34483"/>
+                </a:stretch>
+              </a:blipFill>
+            </p:spPr>
+            <p:txBody>
+              <a:bodyPr/>
+              <a:lstStyle/>
+              <a:p>
+                <a:r>
+                  <a:rPr lang="ja-JP" altLang="en-US">
+                    <a:noFill/>
+                  </a:rPr>
+                  <a:t> </a:t>
+                </a:r>
+              </a:p>
+            </p:txBody>
+          </p:sp>
+        </mc:Fallback>
+      </mc:AlternateContent>
+      <p:grpSp>
+        <p:nvGrpSpPr>
+          <p:cNvPr id="23" name="グループ化 22">
+            <a:extLst>
+              <a:ext uri="{FF2B5EF4-FFF2-40B4-BE49-F238E27FC236}">
+                <a16:creationId xmlns:a16="http://schemas.microsoft.com/office/drawing/2014/main" id="{B3F41E14-E7CB-F886-4A3B-E512E6635985}"/>
+              </a:ext>
+            </a:extLst>
+          </p:cNvPr>
+          <p:cNvGrpSpPr/>
+          <p:nvPr/>
+        </p:nvGrpSpPr>
+        <p:grpSpPr>
+          <a:xfrm>
+            <a:off x="1431177" y="3216120"/>
+            <a:ext cx="9329645" cy="738317"/>
+            <a:chOff x="1805527" y="2444830"/>
+            <a:chExt cx="9329645" cy="738317"/>
+          </a:xfrm>
+        </p:grpSpPr>
+        <p:sp>
+          <p:nvSpPr>
+            <p:cNvPr id="24" name="正方形/長方形 23">
+              <a:extLst>
+                <a:ext uri="{FF2B5EF4-FFF2-40B4-BE49-F238E27FC236}">
+                  <a16:creationId xmlns:a16="http://schemas.microsoft.com/office/drawing/2014/main" id="{92FE6B79-144C-A95F-6B38-CB9A5A57D1B3}"/>
+                </a:ext>
+              </a:extLst>
+            </p:cNvPr>
+            <p:cNvSpPr/>
+            <p:nvPr/>
+          </p:nvSpPr>
+          <p:spPr>
+            <a:xfrm>
+              <a:off x="1805527" y="2467154"/>
+              <a:ext cx="1621766" cy="715993"/>
+            </a:xfrm>
+            <a:prstGeom prst="rect">
+              <a:avLst/>
+            </a:prstGeom>
+            <a:solidFill>
+              <a:srgbClr val="356D64"/>
+            </a:solidFill>
+            <a:ln>
+              <a:noFill/>
+            </a:ln>
+          </p:spPr>
+          <p:style>
+            <a:lnRef idx="2">
+              <a:schemeClr val="accent1">
+                <a:shade val="50000"/>
+              </a:schemeClr>
+            </a:lnRef>
+            <a:fillRef idx="1">
+              <a:schemeClr val="accent1"/>
+            </a:fillRef>
+            <a:effectRef idx="0">
+              <a:schemeClr val="accent1"/>
+            </a:effectRef>
+            <a:fontRef idx="minor">
+              <a:schemeClr val="lt1"/>
+            </a:fontRef>
+          </p:style>
+          <p:txBody>
+            <a:bodyPr rtlCol="0" anchor="ctr"/>
+            <a:lstStyle/>
+            <a:p>
+              <a:pPr algn="ctr"/>
+              <a:r>
+                <a:rPr kumimoji="1" lang="ja-JP" altLang="en-US" sz="2000">
+                  <a:latin typeface="メイリオ" panose="020B0604030504040204" pitchFamily="50" charset="-128"/>
+                  <a:ea typeface="メイリオ" panose="020B0604030504040204" pitchFamily="50" charset="-128"/>
+                </a:rPr>
+                <a:t>機関</a:t>
+              </a:r>
+              <a:r>
+                <a:rPr lang="ja-JP" altLang="en-US" sz="2000">
+                  <a:latin typeface="メイリオ" panose="020B0604030504040204" pitchFamily="50" charset="-128"/>
+                  <a:ea typeface="メイリオ" panose="020B0604030504040204" pitchFamily="50" charset="-128"/>
+                </a:rPr>
+                <a:t>１</a:t>
+              </a:r>
+              <a:endParaRPr lang="en-US" altLang="ja-JP" sz="2000" dirty="0">
+                <a:latin typeface="メイリオ" panose="020B0604030504040204" pitchFamily="50" charset="-128"/>
+                <a:ea typeface="メイリオ" panose="020B0604030504040204" pitchFamily="50" charset="-128"/>
+              </a:endParaRPr>
+            </a:p>
+            <a:p>
+              <a:pPr algn="ctr"/>
+              <a:r>
+                <a:rPr lang="ja-JP" altLang="en-US" sz="2000">
+                  <a:latin typeface="メイリオ" panose="020B0604030504040204" pitchFamily="50" charset="-128"/>
+                  <a:ea typeface="メイリオ" panose="020B0604030504040204" pitchFamily="50" charset="-128"/>
+                </a:rPr>
+                <a:t>中間表現</a:t>
+              </a:r>
+              <a:endParaRPr lang="en-US" altLang="ja-JP" sz="2000" dirty="0">
+                <a:latin typeface="メイリオ" panose="020B0604030504040204" pitchFamily="50" charset="-128"/>
+                <a:ea typeface="メイリオ" panose="020B0604030504040204" pitchFamily="50" charset="-128"/>
+              </a:endParaRPr>
+            </a:p>
+          </p:txBody>
+        </p:sp>
+        <p:sp>
+          <p:nvSpPr>
+            <p:cNvPr id="25" name="正方形/長方形 24">
+              <a:extLst>
+                <a:ext uri="{FF2B5EF4-FFF2-40B4-BE49-F238E27FC236}">
+                  <a16:creationId xmlns:a16="http://schemas.microsoft.com/office/drawing/2014/main" id="{95695F0C-85CC-94F0-3A0E-AF67B9B9486E}"/>
+                </a:ext>
+              </a:extLst>
+            </p:cNvPr>
+            <p:cNvSpPr/>
+            <p:nvPr/>
+          </p:nvSpPr>
+          <p:spPr>
+            <a:xfrm>
+              <a:off x="4374820" y="2467154"/>
+              <a:ext cx="1621766" cy="715993"/>
+            </a:xfrm>
+            <a:prstGeom prst="rect">
+              <a:avLst/>
+            </a:prstGeom>
+            <a:solidFill>
+              <a:srgbClr val="356D64"/>
+            </a:solidFill>
+            <a:ln>
+              <a:noFill/>
+            </a:ln>
+          </p:spPr>
+          <p:style>
+            <a:lnRef idx="2">
+              <a:schemeClr val="accent1">
+                <a:shade val="50000"/>
+              </a:schemeClr>
+            </a:lnRef>
+            <a:fillRef idx="1">
+              <a:schemeClr val="accent1"/>
+            </a:fillRef>
+            <a:effectRef idx="0">
+              <a:schemeClr val="accent1"/>
+            </a:effectRef>
+            <a:fontRef idx="minor">
+              <a:schemeClr val="lt1"/>
+            </a:fontRef>
+          </p:style>
+          <p:txBody>
+            <a:bodyPr rtlCol="0" anchor="ctr"/>
+            <a:lstStyle/>
+            <a:p>
+              <a:pPr algn="ctr"/>
+              <a:r>
+                <a:rPr kumimoji="1" lang="ja-JP" altLang="en-US" sz="2000" dirty="0">
+                  <a:latin typeface="メイリオ" panose="020B0604030504040204" pitchFamily="50" charset="-128"/>
+                  <a:ea typeface="メイリオ" panose="020B0604030504040204" pitchFamily="50" charset="-128"/>
+                </a:rPr>
+                <a:t>機関</a:t>
+              </a:r>
+              <a:r>
+                <a:rPr kumimoji="1" lang="en-US" altLang="ja-JP" sz="2000" dirty="0">
+                  <a:latin typeface="メイリオ" panose="020B0604030504040204" pitchFamily="50" charset="-128"/>
+                  <a:ea typeface="メイリオ" panose="020B0604030504040204" pitchFamily="50" charset="-128"/>
+                </a:rPr>
+                <a:t>2</a:t>
+              </a:r>
+            </a:p>
+            <a:p>
+              <a:pPr algn="ctr"/>
+              <a:r>
+                <a:rPr kumimoji="1" lang="ja-JP" altLang="en-US" sz="2000">
+                  <a:latin typeface="メイリオ" panose="020B0604030504040204" pitchFamily="50" charset="-128"/>
+                  <a:ea typeface="メイリオ" panose="020B0604030504040204" pitchFamily="50" charset="-128"/>
+                </a:rPr>
+                <a:t>中間表現</a:t>
+              </a:r>
+              <a:endParaRPr kumimoji="1" lang="en-US" altLang="ja-JP" sz="2000" dirty="0">
+                <a:latin typeface="メイリオ" panose="020B0604030504040204" pitchFamily="50" charset="-128"/>
+                <a:ea typeface="メイリオ" panose="020B0604030504040204" pitchFamily="50" charset="-128"/>
+              </a:endParaRPr>
+            </a:p>
+          </p:txBody>
+        </p:sp>
+        <p:sp>
+          <p:nvSpPr>
+            <p:cNvPr id="26" name="正方形/長方形 25">
+              <a:extLst>
+                <a:ext uri="{FF2B5EF4-FFF2-40B4-BE49-F238E27FC236}">
+                  <a16:creationId xmlns:a16="http://schemas.microsoft.com/office/drawing/2014/main" id="{CAC4A789-344C-4448-D967-07E93B1A2759}"/>
+                </a:ext>
+              </a:extLst>
+            </p:cNvPr>
+            <p:cNvSpPr/>
+            <p:nvPr/>
+          </p:nvSpPr>
+          <p:spPr>
+            <a:xfrm>
+              <a:off x="6944113" y="2444830"/>
+              <a:ext cx="1621766" cy="715993"/>
+            </a:xfrm>
+            <a:prstGeom prst="rect">
+              <a:avLst/>
+            </a:prstGeom>
+            <a:solidFill>
+              <a:srgbClr val="356D64"/>
+            </a:solidFill>
+            <a:ln>
+              <a:noFill/>
+            </a:ln>
+          </p:spPr>
+          <p:style>
+            <a:lnRef idx="2">
+              <a:schemeClr val="accent1">
+                <a:shade val="50000"/>
+              </a:schemeClr>
+            </a:lnRef>
+            <a:fillRef idx="1">
+              <a:schemeClr val="accent1"/>
+            </a:fillRef>
+            <a:effectRef idx="0">
+              <a:schemeClr val="accent1"/>
+            </a:effectRef>
+            <a:fontRef idx="minor">
+              <a:schemeClr val="lt1"/>
+            </a:fontRef>
+          </p:style>
+          <p:txBody>
+            <a:bodyPr rtlCol="0" anchor="ctr"/>
+            <a:lstStyle/>
+            <a:p>
+              <a:pPr algn="ctr"/>
+              <a:r>
+                <a:rPr kumimoji="1" lang="ja-JP" altLang="en-US" sz="2000" dirty="0">
+                  <a:latin typeface="メイリオ" panose="020B0604030504040204" pitchFamily="50" charset="-128"/>
+                  <a:ea typeface="メイリオ" panose="020B0604030504040204" pitchFamily="50" charset="-128"/>
+                </a:rPr>
+                <a:t>機関</a:t>
+              </a:r>
+              <a:r>
+                <a:rPr kumimoji="1" lang="en-US" altLang="ja-JP" sz="2000" dirty="0">
+                  <a:latin typeface="メイリオ" panose="020B0604030504040204" pitchFamily="50" charset="-128"/>
+                  <a:ea typeface="メイリオ" panose="020B0604030504040204" pitchFamily="50" charset="-128"/>
+                </a:rPr>
+                <a:t>3</a:t>
+              </a:r>
+            </a:p>
+            <a:p>
+              <a:pPr algn="ctr"/>
+              <a:r>
+                <a:rPr kumimoji="1" lang="ja-JP" altLang="en-US" sz="2000">
+                  <a:latin typeface="メイリオ" panose="020B0604030504040204" pitchFamily="50" charset="-128"/>
+                  <a:ea typeface="メイリオ" panose="020B0604030504040204" pitchFamily="50" charset="-128"/>
+                </a:rPr>
+                <a:t>中間表現</a:t>
+              </a:r>
+              <a:endParaRPr kumimoji="1" lang="en-US" altLang="ja-JP" sz="2000" dirty="0">
+                <a:latin typeface="メイリオ" panose="020B0604030504040204" pitchFamily="50" charset="-128"/>
+                <a:ea typeface="メイリオ" panose="020B0604030504040204" pitchFamily="50" charset="-128"/>
+              </a:endParaRPr>
+            </a:p>
+          </p:txBody>
+        </p:sp>
+        <p:sp>
+          <p:nvSpPr>
+            <p:cNvPr id="27" name="正方形/長方形 26">
+              <a:extLst>
+                <a:ext uri="{FF2B5EF4-FFF2-40B4-BE49-F238E27FC236}">
+                  <a16:creationId xmlns:a16="http://schemas.microsoft.com/office/drawing/2014/main" id="{DCE68850-F569-A933-EF01-67D2E3419556}"/>
+                </a:ext>
+              </a:extLst>
+            </p:cNvPr>
+            <p:cNvSpPr/>
+            <p:nvPr/>
+          </p:nvSpPr>
+          <p:spPr>
+            <a:xfrm>
+              <a:off x="9513406" y="2444830"/>
+              <a:ext cx="1621766" cy="715993"/>
+            </a:xfrm>
+            <a:prstGeom prst="rect">
+              <a:avLst/>
+            </a:prstGeom>
+            <a:solidFill>
+              <a:srgbClr val="356D64"/>
+            </a:solidFill>
+            <a:ln>
+              <a:noFill/>
+            </a:ln>
+          </p:spPr>
+          <p:style>
+            <a:lnRef idx="2">
+              <a:schemeClr val="accent1">
+                <a:shade val="50000"/>
+              </a:schemeClr>
+            </a:lnRef>
+            <a:fillRef idx="1">
+              <a:schemeClr val="accent1"/>
+            </a:fillRef>
+            <a:effectRef idx="0">
+              <a:schemeClr val="accent1"/>
+            </a:effectRef>
+            <a:fontRef idx="minor">
+              <a:schemeClr val="lt1"/>
+            </a:fontRef>
+          </p:style>
+          <p:txBody>
+            <a:bodyPr rtlCol="0" anchor="ctr"/>
+            <a:lstStyle/>
+            <a:p>
+              <a:pPr algn="ctr"/>
+              <a:r>
+                <a:rPr kumimoji="1" lang="ja-JP" altLang="en-US" sz="2000" dirty="0">
+                  <a:latin typeface="メイリオ" panose="020B0604030504040204" pitchFamily="50" charset="-128"/>
+                  <a:ea typeface="メイリオ" panose="020B0604030504040204" pitchFamily="50" charset="-128"/>
+                </a:rPr>
+                <a:t>機関</a:t>
+              </a:r>
+              <a:r>
+                <a:rPr kumimoji="1" lang="en-US" altLang="ja-JP" sz="2000" dirty="0">
+                  <a:latin typeface="メイリオ" panose="020B0604030504040204" pitchFamily="50" charset="-128"/>
+                  <a:ea typeface="メイリオ" panose="020B0604030504040204" pitchFamily="50" charset="-128"/>
+                </a:rPr>
+                <a:t>4</a:t>
+              </a:r>
+            </a:p>
+            <a:p>
+              <a:pPr algn="ctr"/>
+              <a:r>
+                <a:rPr kumimoji="1" lang="ja-JP" altLang="en-US" sz="2000">
+                  <a:latin typeface="メイリオ" panose="020B0604030504040204" pitchFamily="50" charset="-128"/>
+                  <a:ea typeface="メイリオ" panose="020B0604030504040204" pitchFamily="50" charset="-128"/>
+                </a:rPr>
+                <a:t>中間表現</a:t>
+              </a:r>
+              <a:endParaRPr kumimoji="1" lang="en-US" altLang="ja-JP" sz="2000" dirty="0">
+                <a:latin typeface="メイリオ" panose="020B0604030504040204" pitchFamily="50" charset="-128"/>
+                <a:ea typeface="メイリオ" panose="020B0604030504040204" pitchFamily="50" charset="-128"/>
+              </a:endParaRPr>
+            </a:p>
+          </p:txBody>
+        </p:sp>
+      </p:grpSp>
+      <p:sp>
+        <p:nvSpPr>
+          <p:cNvPr id="28" name="矢印: 右 14">
+            <a:extLst>
+              <a:ext uri="{FF2B5EF4-FFF2-40B4-BE49-F238E27FC236}">
+                <a16:creationId xmlns:a16="http://schemas.microsoft.com/office/drawing/2014/main" id="{5DD1F2B2-9B18-1318-A2C2-7ABD0C1656F7}"/>
+              </a:ext>
+            </a:extLst>
+          </p:cNvPr>
+          <p:cNvSpPr/>
+          <p:nvPr/>
+        </p:nvSpPr>
+        <p:spPr>
+          <a:xfrm rot="5400000">
+            <a:off x="1873306" y="4288146"/>
+            <a:ext cx="737508" cy="288984"/>
+          </a:xfrm>
+          <a:prstGeom prst="rightArrow">
+            <a:avLst/>
+          </a:prstGeom>
+          <a:solidFill>
+            <a:schemeClr val="tx1">
+              <a:lumMod val="65000"/>
+              <a:lumOff val="35000"/>
+            </a:schemeClr>
+          </a:solidFill>
+          <a:ln>
+            <a:noFill/>
+          </a:ln>
+        </p:spPr>
+        <p:style>
+          <a:lnRef idx="2">
+            <a:schemeClr val="accent1">
+              <a:shade val="50000"/>
+            </a:schemeClr>
+          </a:lnRef>
+          <a:fillRef idx="1">
+            <a:schemeClr val="accent1"/>
+          </a:fillRef>
+          <a:effectRef idx="0">
+            <a:schemeClr val="accent1"/>
+          </a:effectRef>
+          <a:fontRef idx="minor">
+            <a:schemeClr val="lt1"/>
+          </a:fontRef>
+        </p:style>
+        <p:txBody>
+          <a:bodyPr rtlCol="0" anchor="ctr"/>
+          <a:lstStyle/>
+          <a:p>
+            <a:pPr algn="ctr"/>
+            <a:endParaRPr kumimoji="1" lang="ja-JP" altLang="en-US"/>
+          </a:p>
+        </p:txBody>
+      </p:sp>
+      <p:sp>
+        <p:nvSpPr>
+          <p:cNvPr id="29" name="矢印: 右 14">
+            <a:extLst>
+              <a:ext uri="{FF2B5EF4-FFF2-40B4-BE49-F238E27FC236}">
+                <a16:creationId xmlns:a16="http://schemas.microsoft.com/office/drawing/2014/main" id="{1BD02D0E-CA45-6490-E5F2-ADC9ACDAFDB3}"/>
+              </a:ext>
+            </a:extLst>
+          </p:cNvPr>
+          <p:cNvSpPr/>
+          <p:nvPr/>
+        </p:nvSpPr>
+        <p:spPr>
+          <a:xfrm rot="5400000">
+            <a:off x="4442599" y="4288146"/>
+            <a:ext cx="737508" cy="288984"/>
+          </a:xfrm>
+          <a:prstGeom prst="rightArrow">
+            <a:avLst/>
+          </a:prstGeom>
+          <a:solidFill>
+            <a:schemeClr val="tx1">
+              <a:lumMod val="65000"/>
+              <a:lumOff val="35000"/>
+            </a:schemeClr>
+          </a:solidFill>
+          <a:ln>
+            <a:noFill/>
+          </a:ln>
+        </p:spPr>
+        <p:style>
+          <a:lnRef idx="2">
+            <a:schemeClr val="accent1">
+              <a:shade val="50000"/>
+            </a:schemeClr>
+          </a:lnRef>
+          <a:fillRef idx="1">
+            <a:schemeClr val="accent1"/>
+          </a:fillRef>
+          <a:effectRef idx="0">
+            <a:schemeClr val="accent1"/>
+          </a:effectRef>
+          <a:fontRef idx="minor">
+            <a:schemeClr val="lt1"/>
+          </a:fontRef>
+        </p:style>
+        <p:txBody>
+          <a:bodyPr rtlCol="0" anchor="ctr"/>
+          <a:lstStyle/>
+          <a:p>
+            <a:pPr algn="ctr"/>
+            <a:endParaRPr kumimoji="1" lang="ja-JP" altLang="en-US"/>
+          </a:p>
+        </p:txBody>
+      </p:sp>
+      <p:sp>
+        <p:nvSpPr>
+          <p:cNvPr id="30" name="矢印: 右 14">
+            <a:extLst>
+              <a:ext uri="{FF2B5EF4-FFF2-40B4-BE49-F238E27FC236}">
+                <a16:creationId xmlns:a16="http://schemas.microsoft.com/office/drawing/2014/main" id="{0C9EAB44-7581-AF59-E70D-BAF15CE650C1}"/>
+              </a:ext>
+            </a:extLst>
+          </p:cNvPr>
+          <p:cNvSpPr/>
+          <p:nvPr/>
+        </p:nvSpPr>
+        <p:spPr>
+          <a:xfrm rot="5400000">
+            <a:off x="7011892" y="4288146"/>
+            <a:ext cx="737508" cy="288984"/>
+          </a:xfrm>
+          <a:prstGeom prst="rightArrow">
+            <a:avLst/>
+          </a:prstGeom>
+          <a:solidFill>
+            <a:schemeClr val="tx1">
+              <a:lumMod val="65000"/>
+              <a:lumOff val="35000"/>
+            </a:schemeClr>
+          </a:solidFill>
+          <a:ln>
+            <a:noFill/>
+          </a:ln>
+        </p:spPr>
+        <p:style>
+          <a:lnRef idx="2">
+            <a:schemeClr val="accent1">
+              <a:shade val="50000"/>
+            </a:schemeClr>
+          </a:lnRef>
+          <a:fillRef idx="1">
+            <a:schemeClr val="accent1"/>
+          </a:fillRef>
+          <a:effectRef idx="0">
+            <a:schemeClr val="accent1"/>
+          </a:effectRef>
+          <a:fontRef idx="minor">
+            <a:schemeClr val="lt1"/>
+          </a:fontRef>
+        </p:style>
+        <p:txBody>
+          <a:bodyPr rtlCol="0" anchor="ctr"/>
+          <a:lstStyle/>
+          <a:p>
+            <a:pPr algn="ctr"/>
+            <a:endParaRPr kumimoji="1" lang="ja-JP" altLang="en-US"/>
+          </a:p>
+        </p:txBody>
+      </p:sp>
+      <p:sp>
+        <p:nvSpPr>
+          <p:cNvPr id="31" name="矢印: 右 14">
+            <a:extLst>
+              <a:ext uri="{FF2B5EF4-FFF2-40B4-BE49-F238E27FC236}">
+                <a16:creationId xmlns:a16="http://schemas.microsoft.com/office/drawing/2014/main" id="{A43CC1B2-0259-A6EF-B2BF-7B6FE4A7BF29}"/>
+              </a:ext>
+            </a:extLst>
+          </p:cNvPr>
+          <p:cNvSpPr/>
+          <p:nvPr/>
+        </p:nvSpPr>
+        <p:spPr>
+          <a:xfrm rot="5400000">
+            <a:off x="9581186" y="4288146"/>
+            <a:ext cx="737508" cy="288984"/>
+          </a:xfrm>
+          <a:prstGeom prst="rightArrow">
+            <a:avLst/>
+          </a:prstGeom>
+          <a:solidFill>
+            <a:schemeClr val="tx1">
+              <a:lumMod val="65000"/>
+              <a:lumOff val="35000"/>
+            </a:schemeClr>
+          </a:solidFill>
+          <a:ln>
+            <a:noFill/>
+          </a:ln>
+        </p:spPr>
+        <p:style>
+          <a:lnRef idx="2">
+            <a:schemeClr val="accent1">
+              <a:shade val="50000"/>
+            </a:schemeClr>
+          </a:lnRef>
+          <a:fillRef idx="1">
+            <a:schemeClr val="accent1"/>
+          </a:fillRef>
+          <a:effectRef idx="0">
+            <a:schemeClr val="accent1"/>
+          </a:effectRef>
+          <a:fontRef idx="minor">
+            <a:schemeClr val="lt1"/>
+          </a:fontRef>
+        </p:style>
+        <p:txBody>
+          <a:bodyPr rtlCol="0" anchor="ctr"/>
+          <a:lstStyle/>
+          <a:p>
+            <a:pPr algn="ctr"/>
+            <a:endParaRPr kumimoji="1" lang="ja-JP" altLang="en-US"/>
+          </a:p>
+        </p:txBody>
+      </p:sp>
+      <mc:AlternateContent xmlns:mc="http://schemas.openxmlformats.org/markup-compatibility/2006">
+        <mc:Choice xmlns:a14="http://schemas.microsoft.com/office/drawing/2010/main" Requires="a14">
+          <p:sp>
+            <p:nvSpPr>
+              <p:cNvPr id="32" name="テキスト ボックス 31">
+                <a:extLst>
+                  <a:ext uri="{FF2B5EF4-FFF2-40B4-BE49-F238E27FC236}">
+                    <a16:creationId xmlns:a16="http://schemas.microsoft.com/office/drawing/2014/main" id="{D4AEC750-EC01-5483-093F-6BD6C176A744}"/>
+                  </a:ext>
+                </a:extLst>
+              </p:cNvPr>
+              <p:cNvSpPr txBox="1"/>
+              <p:nvPr/>
+            </p:nvSpPr>
+            <p:spPr>
+              <a:xfrm>
+                <a:off x="1752089" y="4247972"/>
+                <a:ext cx="400687" cy="369332"/>
+              </a:xfrm>
+              <a:prstGeom prst="rect">
+                <a:avLst/>
+              </a:prstGeom>
+              <a:noFill/>
+            </p:spPr>
+            <p:txBody>
+              <a:bodyPr wrap="none" lIns="0" tIns="0" rIns="0" bIns="0" rtlCol="0">
+                <a:spAutoFit/>
+              </a:bodyPr>
+              <a:lstStyle/>
+              <a:p>
+                <a14:m>
+                  <m:oMathPara xmlns:m="http://schemas.openxmlformats.org/officeDocument/2006/math">
+                    <m:oMathParaPr>
+                      <m:jc m:val="centerGroup"/>
+                    </m:oMathParaPr>
+                    <m:oMath xmlns:m="http://schemas.openxmlformats.org/officeDocument/2006/math">
+                      <m:sSub>
+                        <m:sSubPr>
+                          <m:ctrlPr>
+                            <a:rPr kumimoji="1" lang="en-US" altLang="ja-JP" sz="2400" b="0" i="1" smtClean="0">
+                              <a:latin typeface="Cambria Math" panose="02040503050406030204" pitchFamily="18" charset="0"/>
+                            </a:rPr>
+                          </m:ctrlPr>
+                        </m:sSubPr>
+                        <m:e>
+                          <m:r>
+                            <a:rPr kumimoji="1" lang="en-US" altLang="ja-JP" sz="2400" b="0" i="1" smtClean="0">
+                              <a:latin typeface="Cambria Math" panose="02040503050406030204" pitchFamily="18" charset="0"/>
+                            </a:rPr>
+                            <m:t>𝑔</m:t>
+                          </m:r>
+                        </m:e>
+                        <m:sub>
+                          <m:r>
+                            <a:rPr kumimoji="1" lang="en-US" altLang="ja-JP" sz="2400" b="0" i="1" smtClean="0">
+                              <a:latin typeface="Cambria Math" panose="02040503050406030204" pitchFamily="18" charset="0"/>
+                            </a:rPr>
+                            <m:t>1</m:t>
+                          </m:r>
+                        </m:sub>
+                      </m:sSub>
+                    </m:oMath>
+                  </m:oMathPara>
+                </a14:m>
+                <a:endParaRPr kumimoji="1" lang="ja-JP" altLang="en-US" sz="2400"/>
+              </a:p>
+            </p:txBody>
+          </p:sp>
+        </mc:Choice>
+        <mc:Fallback>
+          <p:sp>
+            <p:nvSpPr>
+              <p:cNvPr id="32" name="テキスト ボックス 31">
+                <a:extLst>
+                  <a:ext uri="{FF2B5EF4-FFF2-40B4-BE49-F238E27FC236}">
+                    <a16:creationId xmlns:a16="http://schemas.microsoft.com/office/drawing/2014/main" id="{D4AEC750-EC01-5483-093F-6BD6C176A744}"/>
+                  </a:ext>
+                </a:extLst>
+              </p:cNvPr>
+              <p:cNvSpPr txBox="1">
+                <a:spLocks noRot="1" noChangeAspect="1" noMove="1" noResize="1" noEditPoints="1" noAdjustHandles="1" noChangeArrowheads="1" noChangeShapeType="1" noTextEdit="1"/>
+              </p:cNvSpPr>
+              <p:nvPr/>
+            </p:nvSpPr>
+            <p:spPr>
+              <a:xfrm>
+                <a:off x="1752089" y="4247972"/>
+                <a:ext cx="400687" cy="369332"/>
+              </a:xfrm>
+              <a:prstGeom prst="rect">
+                <a:avLst/>
+              </a:prstGeom>
+              <a:blipFill>
+                <a:blip r:embed="rId6"/>
+                <a:stretch>
+                  <a:fillRect l="-12121" r="-3030" b="-20000"/>
+                </a:stretch>
+              </a:blipFill>
+            </p:spPr>
+            <p:txBody>
+              <a:bodyPr/>
+              <a:lstStyle/>
+              <a:p>
+                <a:r>
+                  <a:rPr lang="ja-JP" altLang="en-US">
+                    <a:noFill/>
+                  </a:rPr>
+                  <a:t> </a:t>
+                </a:r>
+              </a:p>
+            </p:txBody>
+          </p:sp>
+        </mc:Fallback>
+      </mc:AlternateContent>
+      <mc:AlternateContent xmlns:mc="http://schemas.openxmlformats.org/markup-compatibility/2006">
+        <mc:Choice xmlns:a14="http://schemas.microsoft.com/office/drawing/2010/main" Requires="a14">
+          <p:sp>
+            <p:nvSpPr>
+              <p:cNvPr id="33" name="テキスト ボックス 32">
+                <a:extLst>
+                  <a:ext uri="{FF2B5EF4-FFF2-40B4-BE49-F238E27FC236}">
+                    <a16:creationId xmlns:a16="http://schemas.microsoft.com/office/drawing/2014/main" id="{CAC0D5AD-6AAD-BD70-CEBC-1B27E678CE30}"/>
+                  </a:ext>
+                </a:extLst>
+              </p:cNvPr>
+              <p:cNvSpPr txBox="1"/>
+              <p:nvPr/>
+            </p:nvSpPr>
+            <p:spPr>
+              <a:xfrm>
+                <a:off x="4359599" y="4247972"/>
+                <a:ext cx="407804" cy="369332"/>
+              </a:xfrm>
+              <a:prstGeom prst="rect">
+                <a:avLst/>
+              </a:prstGeom>
+              <a:noFill/>
+            </p:spPr>
+            <p:txBody>
+              <a:bodyPr wrap="none" lIns="0" tIns="0" rIns="0" bIns="0" rtlCol="0">
+                <a:spAutoFit/>
+              </a:bodyPr>
+              <a:lstStyle/>
+              <a:p>
+                <a14:m>
+                  <m:oMathPara xmlns:m="http://schemas.openxmlformats.org/officeDocument/2006/math">
+                    <m:oMathParaPr>
+                      <m:jc m:val="centerGroup"/>
+                    </m:oMathParaPr>
+                    <m:oMath xmlns:m="http://schemas.openxmlformats.org/officeDocument/2006/math">
+                      <m:sSub>
+                        <m:sSubPr>
+                          <m:ctrlPr>
+                            <a:rPr kumimoji="1" lang="en-US" altLang="ja-JP" sz="2400" b="0" i="1" smtClean="0">
+                              <a:latin typeface="Cambria Math" panose="02040503050406030204" pitchFamily="18" charset="0"/>
+                            </a:rPr>
+                          </m:ctrlPr>
+                        </m:sSubPr>
+                        <m:e>
+                          <m:r>
+                            <a:rPr kumimoji="1" lang="en-US" altLang="ja-JP" sz="2400" b="0" i="1" smtClean="0">
+                              <a:latin typeface="Cambria Math" panose="02040503050406030204" pitchFamily="18" charset="0"/>
+                            </a:rPr>
+                            <m:t>𝑔</m:t>
+                          </m:r>
+                        </m:e>
+                        <m:sub>
+                          <m:r>
+                            <a:rPr kumimoji="1" lang="en-US" altLang="ja-JP" sz="2400" b="0" i="1" smtClean="0">
+                              <a:latin typeface="Cambria Math" panose="02040503050406030204" pitchFamily="18" charset="0"/>
+                            </a:rPr>
+                            <m:t>2</m:t>
+                          </m:r>
+                        </m:sub>
+                      </m:sSub>
+                    </m:oMath>
+                  </m:oMathPara>
+                </a14:m>
+                <a:endParaRPr kumimoji="1" lang="ja-JP" altLang="en-US" sz="2400"/>
+              </a:p>
+            </p:txBody>
+          </p:sp>
+        </mc:Choice>
+        <mc:Fallback>
+          <p:sp>
+            <p:nvSpPr>
+              <p:cNvPr id="33" name="テキスト ボックス 32">
+                <a:extLst>
+                  <a:ext uri="{FF2B5EF4-FFF2-40B4-BE49-F238E27FC236}">
+                    <a16:creationId xmlns:a16="http://schemas.microsoft.com/office/drawing/2014/main" id="{CAC0D5AD-6AAD-BD70-CEBC-1B27E678CE30}"/>
+                  </a:ext>
+                </a:extLst>
+              </p:cNvPr>
+              <p:cNvSpPr txBox="1">
+                <a:spLocks noRot="1" noChangeAspect="1" noMove="1" noResize="1" noEditPoints="1" noAdjustHandles="1" noChangeArrowheads="1" noChangeShapeType="1" noTextEdit="1"/>
+              </p:cNvSpPr>
+              <p:nvPr/>
+            </p:nvSpPr>
+            <p:spPr>
+              <a:xfrm>
+                <a:off x="4359599" y="4247972"/>
+                <a:ext cx="407804" cy="369332"/>
+              </a:xfrm>
+              <a:prstGeom prst="rect">
+                <a:avLst/>
+              </a:prstGeom>
+              <a:blipFill>
+                <a:blip r:embed="rId7"/>
+                <a:stretch>
+                  <a:fillRect l="-15152" r="-3030" b="-20000"/>
+                </a:stretch>
+              </a:blipFill>
+            </p:spPr>
+            <p:txBody>
+              <a:bodyPr/>
+              <a:lstStyle/>
+              <a:p>
+                <a:r>
+                  <a:rPr lang="ja-JP" altLang="en-US">
+                    <a:noFill/>
+                  </a:rPr>
+                  <a:t> </a:t>
+                </a:r>
+              </a:p>
+            </p:txBody>
+          </p:sp>
+        </mc:Fallback>
+      </mc:AlternateContent>
+      <mc:AlternateContent xmlns:mc="http://schemas.openxmlformats.org/markup-compatibility/2006">
+        <mc:Choice xmlns:a14="http://schemas.microsoft.com/office/drawing/2010/main" Requires="a14">
+          <p:sp>
+            <p:nvSpPr>
+              <p:cNvPr id="34" name="テキスト ボックス 33">
+                <a:extLst>
+                  <a:ext uri="{FF2B5EF4-FFF2-40B4-BE49-F238E27FC236}">
+                    <a16:creationId xmlns:a16="http://schemas.microsoft.com/office/drawing/2014/main" id="{9FFE29DF-65D1-9816-C92F-A51C0BF7FC9D}"/>
+                  </a:ext>
+                </a:extLst>
+              </p:cNvPr>
+              <p:cNvSpPr txBox="1"/>
+              <p:nvPr/>
+            </p:nvSpPr>
+            <p:spPr>
+              <a:xfrm>
+                <a:off x="6890675" y="4247972"/>
+                <a:ext cx="407804" cy="369332"/>
+              </a:xfrm>
+              <a:prstGeom prst="rect">
+                <a:avLst/>
+              </a:prstGeom>
+              <a:noFill/>
+            </p:spPr>
+            <p:txBody>
+              <a:bodyPr wrap="none" lIns="0" tIns="0" rIns="0" bIns="0" rtlCol="0">
+                <a:spAutoFit/>
+              </a:bodyPr>
+              <a:lstStyle/>
+              <a:p>
+                <a14:m>
+                  <m:oMathPara xmlns:m="http://schemas.openxmlformats.org/officeDocument/2006/math">
+                    <m:oMathParaPr>
+                      <m:jc m:val="centerGroup"/>
+                    </m:oMathParaPr>
+                    <m:oMath xmlns:m="http://schemas.openxmlformats.org/officeDocument/2006/math">
+                      <m:sSub>
+                        <m:sSubPr>
+                          <m:ctrlPr>
+                            <a:rPr kumimoji="1" lang="en-US" altLang="ja-JP" sz="2400" b="0" i="1" smtClean="0">
+                              <a:latin typeface="Cambria Math" panose="02040503050406030204" pitchFamily="18" charset="0"/>
+                            </a:rPr>
+                          </m:ctrlPr>
+                        </m:sSubPr>
+                        <m:e>
+                          <m:r>
+                            <a:rPr kumimoji="1" lang="en-US" altLang="ja-JP" sz="2400" b="0" i="1" smtClean="0">
+                              <a:latin typeface="Cambria Math" panose="02040503050406030204" pitchFamily="18" charset="0"/>
+                            </a:rPr>
+                            <m:t>𝑔</m:t>
+                          </m:r>
+                        </m:e>
+                        <m:sub>
+                          <m:r>
+                            <a:rPr kumimoji="1" lang="en-US" altLang="ja-JP" sz="2400" b="0" i="1" smtClean="0">
+                              <a:latin typeface="Cambria Math" panose="02040503050406030204" pitchFamily="18" charset="0"/>
+                            </a:rPr>
+                            <m:t>3</m:t>
+                          </m:r>
+                        </m:sub>
+                      </m:sSub>
+                    </m:oMath>
+                  </m:oMathPara>
+                </a14:m>
+                <a:endParaRPr kumimoji="1" lang="ja-JP" altLang="en-US" sz="2400"/>
+              </a:p>
+            </p:txBody>
+          </p:sp>
+        </mc:Choice>
+        <mc:Fallback>
+          <p:sp>
+            <p:nvSpPr>
+              <p:cNvPr id="34" name="テキスト ボックス 33">
+                <a:extLst>
+                  <a:ext uri="{FF2B5EF4-FFF2-40B4-BE49-F238E27FC236}">
+                    <a16:creationId xmlns:a16="http://schemas.microsoft.com/office/drawing/2014/main" id="{9FFE29DF-65D1-9816-C92F-A51C0BF7FC9D}"/>
+                  </a:ext>
+                </a:extLst>
+              </p:cNvPr>
+              <p:cNvSpPr txBox="1">
+                <a:spLocks noRot="1" noChangeAspect="1" noMove="1" noResize="1" noEditPoints="1" noAdjustHandles="1" noChangeArrowheads="1" noChangeShapeType="1" noTextEdit="1"/>
+              </p:cNvSpPr>
+              <p:nvPr/>
+            </p:nvSpPr>
+            <p:spPr>
+              <a:xfrm>
+                <a:off x="6890675" y="4247972"/>
+                <a:ext cx="407804" cy="369332"/>
+              </a:xfrm>
+              <a:prstGeom prst="rect">
+                <a:avLst/>
+              </a:prstGeom>
+              <a:blipFill>
+                <a:blip r:embed="rId8"/>
+                <a:stretch>
+                  <a:fillRect l="-12121" r="-3030" b="-20000"/>
+                </a:stretch>
+              </a:blipFill>
+            </p:spPr>
+            <p:txBody>
+              <a:bodyPr/>
+              <a:lstStyle/>
+              <a:p>
+                <a:r>
+                  <a:rPr lang="ja-JP" altLang="en-US">
+                    <a:noFill/>
+                  </a:rPr>
+                  <a:t> </a:t>
+                </a:r>
+              </a:p>
+            </p:txBody>
+          </p:sp>
+        </mc:Fallback>
+      </mc:AlternateContent>
+      <mc:AlternateContent xmlns:mc="http://schemas.openxmlformats.org/markup-compatibility/2006">
+        <mc:Choice xmlns:a14="http://schemas.microsoft.com/office/drawing/2010/main" Requires="a14">
+          <p:sp>
+            <p:nvSpPr>
+              <p:cNvPr id="35" name="テキスト ボックス 34">
+                <a:extLst>
+                  <a:ext uri="{FF2B5EF4-FFF2-40B4-BE49-F238E27FC236}">
+                    <a16:creationId xmlns:a16="http://schemas.microsoft.com/office/drawing/2014/main" id="{76F6700C-1F23-9E10-EC42-414A6B1B13D2}"/>
+                  </a:ext>
+                </a:extLst>
+              </p:cNvPr>
+              <p:cNvSpPr txBox="1"/>
+              <p:nvPr/>
+            </p:nvSpPr>
+            <p:spPr>
+              <a:xfrm>
+                <a:off x="9459968" y="4246392"/>
+                <a:ext cx="407804" cy="369332"/>
+              </a:xfrm>
+              <a:prstGeom prst="rect">
+                <a:avLst/>
+              </a:prstGeom>
+              <a:noFill/>
+            </p:spPr>
+            <p:txBody>
+              <a:bodyPr wrap="none" lIns="0" tIns="0" rIns="0" bIns="0" rtlCol="0">
+                <a:spAutoFit/>
+              </a:bodyPr>
+              <a:lstStyle/>
+              <a:p>
+                <a14:m>
+                  <m:oMathPara xmlns:m="http://schemas.openxmlformats.org/officeDocument/2006/math">
+                    <m:oMathParaPr>
+                      <m:jc m:val="centerGroup"/>
+                    </m:oMathParaPr>
+                    <m:oMath xmlns:m="http://schemas.openxmlformats.org/officeDocument/2006/math">
+                      <m:sSub>
+                        <m:sSubPr>
+                          <m:ctrlPr>
+                            <a:rPr kumimoji="1" lang="en-US" altLang="ja-JP" sz="2400" b="0" i="1" smtClean="0">
+                              <a:latin typeface="Cambria Math" panose="02040503050406030204" pitchFamily="18" charset="0"/>
+                            </a:rPr>
+                          </m:ctrlPr>
+                        </m:sSubPr>
+                        <m:e>
+                          <m:r>
+                            <a:rPr kumimoji="1" lang="en-US" altLang="ja-JP" sz="2400" b="0" i="1" smtClean="0">
+                              <a:latin typeface="Cambria Math" panose="02040503050406030204" pitchFamily="18" charset="0"/>
+                            </a:rPr>
+                            <m:t>𝑔</m:t>
+                          </m:r>
+                        </m:e>
+                        <m:sub>
+                          <m:r>
+                            <a:rPr kumimoji="1" lang="en-US" altLang="ja-JP" sz="2400" b="0" i="1" smtClean="0">
+                              <a:latin typeface="Cambria Math" panose="02040503050406030204" pitchFamily="18" charset="0"/>
+                            </a:rPr>
+                            <m:t>4</m:t>
+                          </m:r>
+                        </m:sub>
+                      </m:sSub>
+                    </m:oMath>
+                  </m:oMathPara>
+                </a14:m>
+                <a:endParaRPr kumimoji="1" lang="ja-JP" altLang="en-US" sz="2400"/>
+              </a:p>
+            </p:txBody>
+          </p:sp>
+        </mc:Choice>
+        <mc:Fallback>
+          <p:sp>
+            <p:nvSpPr>
+              <p:cNvPr id="35" name="テキスト ボックス 34">
+                <a:extLst>
+                  <a:ext uri="{FF2B5EF4-FFF2-40B4-BE49-F238E27FC236}">
+                    <a16:creationId xmlns:a16="http://schemas.microsoft.com/office/drawing/2014/main" id="{76F6700C-1F23-9E10-EC42-414A6B1B13D2}"/>
+                  </a:ext>
+                </a:extLst>
+              </p:cNvPr>
+              <p:cNvSpPr txBox="1">
+                <a:spLocks noRot="1" noChangeAspect="1" noMove="1" noResize="1" noEditPoints="1" noAdjustHandles="1" noChangeArrowheads="1" noChangeShapeType="1" noTextEdit="1"/>
+              </p:cNvSpPr>
+              <p:nvPr/>
+            </p:nvSpPr>
+            <p:spPr>
+              <a:xfrm>
+                <a:off x="9459968" y="4246392"/>
+                <a:ext cx="407804" cy="369332"/>
+              </a:xfrm>
+              <a:prstGeom prst="rect">
+                <a:avLst/>
+              </a:prstGeom>
+              <a:blipFill>
+                <a:blip r:embed="rId9"/>
+                <a:stretch>
+                  <a:fillRect l="-11765" r="-2941" b="-20000"/>
+                </a:stretch>
+              </a:blipFill>
+            </p:spPr>
+            <p:txBody>
+              <a:bodyPr/>
+              <a:lstStyle/>
+              <a:p>
+                <a:r>
+                  <a:rPr lang="ja-JP" altLang="en-US">
+                    <a:noFill/>
+                  </a:rPr>
+                  <a:t> </a:t>
+                </a:r>
+              </a:p>
+            </p:txBody>
+          </p:sp>
+        </mc:Fallback>
+      </mc:AlternateContent>
+      <p:sp>
+        <p:nvSpPr>
+          <p:cNvPr id="11" name="正方形/長方形 10">
+            <a:extLst>
+              <a:ext uri="{FF2B5EF4-FFF2-40B4-BE49-F238E27FC236}">
+                <a16:creationId xmlns:a16="http://schemas.microsoft.com/office/drawing/2014/main" id="{5A36E893-F553-7673-95B1-B2B5A352DD33}"/>
+              </a:ext>
+            </a:extLst>
+          </p:cNvPr>
+          <p:cNvSpPr/>
+          <p:nvPr/>
+        </p:nvSpPr>
+        <p:spPr>
+          <a:xfrm>
+            <a:off x="1431177" y="4983900"/>
+            <a:ext cx="9329645" cy="1003412"/>
+          </a:xfrm>
+          <a:prstGeom prst="rect">
+            <a:avLst/>
+          </a:prstGeom>
+          <a:solidFill>
+            <a:srgbClr val="356D64"/>
+          </a:solidFill>
+          <a:ln>
+            <a:noFill/>
+          </a:ln>
+        </p:spPr>
+        <p:style>
+          <a:lnRef idx="2">
+            <a:schemeClr val="accent1">
+              <a:shade val="50000"/>
+            </a:schemeClr>
+          </a:lnRef>
+          <a:fillRef idx="1">
+            <a:schemeClr val="accent1"/>
+          </a:fillRef>
+          <a:effectRef idx="0">
+            <a:schemeClr val="accent1"/>
+          </a:effectRef>
+          <a:fontRef idx="minor">
+            <a:schemeClr val="lt1"/>
+          </a:fontRef>
+        </p:style>
+        <p:txBody>
+          <a:bodyPr rtlCol="0" anchor="ctr"/>
+          <a:lstStyle/>
+          <a:p>
+            <a:pPr algn="ctr"/>
+            <a:r>
+              <a:rPr kumimoji="1" lang="ja-JP" altLang="en-US" sz="2000">
+                <a:latin typeface="Meiryo" panose="020B0604030504040204" pitchFamily="34" charset="-128"/>
+                <a:ea typeface="Meiryo" panose="020B0604030504040204" pitchFamily="34" charset="-128"/>
+              </a:rPr>
+              <a:t>データをまとめ、</a:t>
+            </a:r>
+            <a:r>
+              <a:rPr kumimoji="1" lang="en-US" altLang="ja-JP" sz="2000" dirty="0">
+                <a:latin typeface="Meiryo" panose="020B0604030504040204" pitchFamily="34" charset="-128"/>
+                <a:ea typeface="Meiryo" panose="020B0604030504040204" pitchFamily="34" charset="-128"/>
+              </a:rPr>
+              <a:t>1</a:t>
+            </a:r>
+            <a:r>
+              <a:rPr kumimoji="1" lang="ja-JP" altLang="en-US" sz="2000">
+                <a:latin typeface="Meiryo" panose="020B0604030504040204" pitchFamily="34" charset="-128"/>
+                <a:ea typeface="Meiryo" panose="020B0604030504040204" pitchFamily="34" charset="-128"/>
+              </a:rPr>
+              <a:t>つのデータセットとして分析する。</a:t>
+            </a:r>
+            <a:endParaRPr kumimoji="1" lang="en-US" altLang="ja-JP" sz="2000" dirty="0">
+              <a:latin typeface="Meiryo" panose="020B0604030504040204" pitchFamily="34" charset="-128"/>
+              <a:ea typeface="Meiryo" panose="020B0604030504040204" pitchFamily="34" charset="-128"/>
+            </a:endParaRPr>
+          </a:p>
+          <a:p>
+            <a:pPr algn="ctr"/>
+            <a:r>
+              <a:rPr lang="ja-JP" altLang="en-US" sz="2000">
+                <a:latin typeface="Meiryo" panose="020B0604030504040204" pitchFamily="34" charset="-128"/>
+                <a:ea typeface="Meiryo" panose="020B0604030504040204" pitchFamily="34" charset="-128"/>
+              </a:rPr>
+              <a:t>分析者が知っているのは赤矢印の部分のみ！</a:t>
+            </a:r>
+            <a:endParaRPr kumimoji="1" lang="ja-JP" altLang="en-US" sz="2000">
+              <a:latin typeface="Meiryo" panose="020B0604030504040204" pitchFamily="34" charset="-128"/>
+              <a:ea typeface="Meiryo" panose="020B0604030504040204" pitchFamily="34" charset="-128"/>
+            </a:endParaRPr>
+          </a:p>
+        </p:txBody>
+      </p:sp>
+      <p:sp>
+        <p:nvSpPr>
+          <p:cNvPr id="36" name="矢印: 右 14">
+            <a:extLst>
+              <a:ext uri="{FF2B5EF4-FFF2-40B4-BE49-F238E27FC236}">
+                <a16:creationId xmlns:a16="http://schemas.microsoft.com/office/drawing/2014/main" id="{041BC4B3-0215-8F66-40A0-D0D386404CA5}"/>
+              </a:ext>
+            </a:extLst>
+          </p:cNvPr>
+          <p:cNvSpPr/>
+          <p:nvPr/>
+        </p:nvSpPr>
+        <p:spPr>
+          <a:xfrm rot="5400000">
+            <a:off x="-349679" y="4484149"/>
+            <a:ext cx="2717342" cy="288984"/>
+          </a:xfrm>
+          <a:prstGeom prst="rightArrow">
+            <a:avLst/>
+          </a:prstGeom>
+          <a:solidFill>
+            <a:srgbClr val="FF0000"/>
+          </a:solidFill>
+          <a:ln>
+            <a:noFill/>
+          </a:ln>
+        </p:spPr>
+        <p:style>
+          <a:lnRef idx="2">
+            <a:schemeClr val="accent1">
+              <a:shade val="50000"/>
+            </a:schemeClr>
+          </a:lnRef>
+          <a:fillRef idx="1">
+            <a:schemeClr val="accent1"/>
+          </a:fillRef>
+          <a:effectRef idx="0">
+            <a:schemeClr val="accent1"/>
+          </a:effectRef>
+          <a:fontRef idx="minor">
+            <a:schemeClr val="lt1"/>
+          </a:fontRef>
+        </p:style>
+        <p:txBody>
+          <a:bodyPr rtlCol="0" anchor="ctr"/>
+          <a:lstStyle/>
+          <a:p>
+            <a:pPr algn="ctr"/>
+            <a:endParaRPr kumimoji="1" lang="ja-JP" altLang="en-US">
+              <a:solidFill>
+                <a:srgbClr val="FF0000"/>
+              </a:solidFill>
+            </a:endParaRPr>
+          </a:p>
+        </p:txBody>
+      </p:sp>
     </p:spTree>
     <p:extLst>
       <p:ext uri="{BB962C8B-B14F-4D97-AF65-F5344CB8AC3E}">
         <p14:creationId xmlns:p14="http://schemas.microsoft.com/office/powerpoint/2010/main" val="2571596819"/>
+      </p:ext>
+    </p:extLst>
+  </p:cSld>
+  <p:clrMapOvr>
+    <a:masterClrMapping/>
+  </p:clrMapOvr>
+</p:sld>
+</file>
+
+<file path=ppt/slides/slide5.xml><?xml version="1.0" encoding="utf-8"?>
+<p:sld xmlns:a="http://schemas.openxmlformats.org/drawingml/2006/main" xmlns:r="http://schemas.openxmlformats.org/officeDocument/2006/relationships" xmlns:p="http://schemas.openxmlformats.org/presentationml/2006/main">
+  <p:cSld>
+    <p:spTree>
+      <p:nvGrpSpPr>
+        <p:cNvPr id="1" name=""/>
+        <p:cNvGrpSpPr/>
+        <p:nvPr/>
+      </p:nvGrpSpPr>
+      <p:grpSpPr>
+        <a:xfrm>
+          <a:off x="0" y="0"/>
+          <a:ext cx="0" cy="0"/>
+          <a:chOff x="0" y="0"/>
+          <a:chExt cx="0" cy="0"/>
+        </a:xfrm>
+      </p:grpSpPr>
+      <p:sp>
+        <p:nvSpPr>
+          <p:cNvPr id="2" name="タイトル 1">
+            <a:extLst>
+              <a:ext uri="{FF2B5EF4-FFF2-40B4-BE49-F238E27FC236}">
+                <a16:creationId xmlns:a16="http://schemas.microsoft.com/office/drawing/2014/main" id="{5AD1E171-9195-FAC8-8565-21A06EDAC052}"/>
+              </a:ext>
+            </a:extLst>
+          </p:cNvPr>
+          <p:cNvSpPr>
+            <a:spLocks noGrp="1"/>
+          </p:cNvSpPr>
+          <p:nvPr>
+            <p:ph type="title"/>
+          </p:nvPr>
+        </p:nvSpPr>
+        <p:spPr/>
+        <p:txBody>
+          <a:bodyPr/>
+          <a:lstStyle/>
+          <a:p>
+            <a:r>
+              <a:rPr kumimoji="1" lang="ja-JP" altLang="en-US"/>
+              <a:t>説明で登場する変数</a:t>
+            </a:r>
+          </a:p>
+        </p:txBody>
+      </p:sp>
+      <mc:AlternateContent xmlns:mc="http://schemas.openxmlformats.org/markup-compatibility/2006">
+        <mc:Choice xmlns:a14="http://schemas.microsoft.com/office/drawing/2010/main" Requires="a14">
+          <p:sp>
+            <p:nvSpPr>
+              <p:cNvPr id="3" name="コンテンツ プレースホルダー 2">
+                <a:extLst>
+                  <a:ext uri="{FF2B5EF4-FFF2-40B4-BE49-F238E27FC236}">
+                    <a16:creationId xmlns:a16="http://schemas.microsoft.com/office/drawing/2014/main" id="{506672BA-A08B-5D77-62BE-75D69A96AB87}"/>
+                  </a:ext>
+                </a:extLst>
+              </p:cNvPr>
+              <p:cNvSpPr>
+                <a:spLocks noGrp="1"/>
+              </p:cNvSpPr>
+              <p:nvPr>
+                <p:ph idx="1"/>
+              </p:nvPr>
+            </p:nvSpPr>
+            <p:spPr/>
+            <p:txBody>
+              <a:bodyPr>
+                <a:normAutofit/>
+              </a:bodyPr>
+              <a:lstStyle/>
+              <a:p>
+                <a:pPr marL="0" indent="0">
+                  <a:buNone/>
+                </a:pPr>
+                <a:r>
+                  <a:rPr kumimoji="1" lang="ja-JP" altLang="en-US" b="0"/>
+                  <a:t>・</a:t>
+                </a:r>
+                <a14:m>
+                  <m:oMath xmlns:m="http://schemas.openxmlformats.org/officeDocument/2006/math">
+                    <m:r>
+                      <a:rPr kumimoji="1" lang="en-US" altLang="ja-JP" b="0" i="1" smtClean="0">
+                        <a:latin typeface="Cambria Math" panose="02040503050406030204" pitchFamily="18" charset="0"/>
+                      </a:rPr>
+                      <m:t>𝑑</m:t>
+                    </m:r>
+                    <m:r>
+                      <a:rPr kumimoji="1" lang="en-US" altLang="ja-JP" b="0" i="1" smtClean="0">
+                        <a:latin typeface="Cambria Math" panose="02040503050406030204" pitchFamily="18" charset="0"/>
+                      </a:rPr>
+                      <m:t>: </m:t>
+                    </m:r>
+                  </m:oMath>
+                </a14:m>
+                <a:r>
+                  <a:rPr kumimoji="1" lang="ja-JP" altLang="en-US"/>
+                  <a:t>機関の数</a:t>
+                </a:r>
+                <a:endParaRPr kumimoji="1" lang="en-US" altLang="ja-JP" dirty="0"/>
+              </a:p>
+              <a:p>
+                <a:pPr marL="0" indent="0">
+                  <a:buNone/>
+                </a:pPr>
+                <a:r>
+                  <a:rPr kumimoji="1" lang="ja-JP" altLang="en-US" b="0"/>
+                  <a:t>・</a:t>
+                </a:r>
+                <a14:m>
+                  <m:oMath xmlns:m="http://schemas.openxmlformats.org/officeDocument/2006/math">
+                    <m:r>
+                      <a:rPr kumimoji="1" lang="en-US" altLang="ja-JP" b="0" i="1" smtClean="0">
+                        <a:latin typeface="Cambria Math" panose="02040503050406030204" pitchFamily="18" charset="0"/>
+                      </a:rPr>
+                      <m:t>𝑚</m:t>
+                    </m:r>
+                    <m:r>
+                      <a:rPr kumimoji="1" lang="en-US" altLang="ja-JP" b="0" i="1" smtClean="0">
+                        <a:latin typeface="Cambria Math" panose="02040503050406030204" pitchFamily="18" charset="0"/>
+                      </a:rPr>
+                      <m:t>: </m:t>
+                    </m:r>
+                  </m:oMath>
+                </a14:m>
+                <a:r>
+                  <a:rPr kumimoji="1" lang="en-US" altLang="ja-JP" dirty="0"/>
+                  <a:t>1</a:t>
+                </a:r>
+                <a:r>
+                  <a:rPr kumimoji="1" lang="ja-JP" altLang="en-US"/>
+                  <a:t>つのデータの特徴量の次元</a:t>
+                </a:r>
+                <a:endParaRPr kumimoji="1" lang="en-US" altLang="ja-JP" dirty="0"/>
+              </a:p>
+              <a:p>
+                <a:pPr marL="0" indent="0">
+                  <a:buNone/>
+                </a:pPr>
+                <a:r>
+                  <a:rPr kumimoji="1" lang="ja-JP" altLang="en-US" b="0"/>
+                  <a:t>・</a:t>
+                </a:r>
+                <a14:m>
+                  <m:oMath xmlns:m="http://schemas.openxmlformats.org/officeDocument/2006/math">
+                    <m:sSub>
+                      <m:sSubPr>
+                        <m:ctrlPr>
+                          <a:rPr kumimoji="1" lang="en-US" altLang="ja-JP" b="0" i="1" smtClean="0">
+                            <a:latin typeface="Cambria Math" panose="02040503050406030204" pitchFamily="18" charset="0"/>
+                          </a:rPr>
+                        </m:ctrlPr>
+                      </m:sSubPr>
+                      <m:e>
+                        <m:r>
+                          <a:rPr kumimoji="1" lang="en-US" altLang="ja-JP" b="0" i="1" smtClean="0">
+                            <a:latin typeface="Cambria Math" panose="02040503050406030204" pitchFamily="18" charset="0"/>
+                          </a:rPr>
+                          <m:t>𝑛</m:t>
+                        </m:r>
+                      </m:e>
+                      <m:sub>
+                        <m:r>
+                          <a:rPr kumimoji="1" lang="en-US" altLang="ja-JP" b="0" i="1" smtClean="0">
+                            <a:latin typeface="Cambria Math" panose="02040503050406030204" pitchFamily="18" charset="0"/>
+                          </a:rPr>
+                          <m:t>𝑖</m:t>
+                        </m:r>
+                      </m:sub>
+                    </m:sSub>
+                    <m:r>
+                      <a:rPr kumimoji="1" lang="en-US" altLang="ja-JP" b="0" i="1" smtClean="0">
+                        <a:latin typeface="Cambria Math" panose="02040503050406030204" pitchFamily="18" charset="0"/>
+                      </a:rPr>
+                      <m:t>: </m:t>
+                    </m:r>
+                  </m:oMath>
+                </a14:m>
+                <a:r>
+                  <a:rPr kumimoji="1" lang="ja-JP" altLang="en-US"/>
+                  <a:t>機関</a:t>
+                </a:r>
+                <a14:m>
+                  <m:oMath xmlns:m="http://schemas.openxmlformats.org/officeDocument/2006/math">
+                    <m:r>
+                      <a:rPr kumimoji="1" lang="en-US" altLang="ja-JP" b="0" i="1" smtClean="0">
+                        <a:latin typeface="Cambria Math" panose="02040503050406030204" pitchFamily="18" charset="0"/>
+                      </a:rPr>
+                      <m:t> </m:t>
+                    </m:r>
+                    <m:r>
+                      <a:rPr kumimoji="1" lang="en-US" altLang="ja-JP" b="0" i="1" smtClean="0">
+                        <a:latin typeface="Cambria Math" panose="02040503050406030204" pitchFamily="18" charset="0"/>
+                      </a:rPr>
+                      <m:t>𝑖</m:t>
+                    </m:r>
+                    <m:r>
+                      <a:rPr kumimoji="1" lang="en-US" altLang="ja-JP" b="0" i="1" smtClean="0">
+                        <a:latin typeface="Cambria Math" panose="02040503050406030204" pitchFamily="18" charset="0"/>
+                      </a:rPr>
+                      <m:t> </m:t>
+                    </m:r>
+                  </m:oMath>
+                </a14:m>
+                <a:r>
+                  <a:rPr kumimoji="1" lang="ja-JP" altLang="en-US"/>
+                  <a:t>の学習データの数（全データ数</a:t>
+                </a:r>
+                <a14:m>
+                  <m:oMath xmlns:m="http://schemas.openxmlformats.org/officeDocument/2006/math">
+                    <m:r>
+                      <a:rPr kumimoji="1" lang="en-US" altLang="ja-JP" b="0" i="0" smtClean="0">
+                        <a:latin typeface="Cambria Math" panose="02040503050406030204" pitchFamily="18" charset="0"/>
+                      </a:rPr>
+                      <m:t> </m:t>
+                    </m:r>
+                    <m:r>
+                      <a:rPr kumimoji="1" lang="en-US" altLang="ja-JP" b="0" i="1" smtClean="0">
+                        <a:latin typeface="Cambria Math" panose="02040503050406030204" pitchFamily="18" charset="0"/>
+                      </a:rPr>
+                      <m:t>𝑛</m:t>
+                    </m:r>
+                    <m:r>
+                      <a:rPr kumimoji="1" lang="en-US" altLang="ja-JP" b="0" i="1" smtClean="0">
+                        <a:latin typeface="Cambria Math" panose="02040503050406030204" pitchFamily="18" charset="0"/>
+                      </a:rPr>
+                      <m:t>= </m:t>
+                    </m:r>
+                    <m:nary>
+                      <m:naryPr>
+                        <m:chr m:val="∑"/>
+                        <m:limLoc m:val="subSup"/>
+                        <m:ctrlPr>
+                          <a:rPr kumimoji="1" lang="en-US" altLang="ja-JP" b="0" i="1" smtClean="0">
+                            <a:latin typeface="Cambria Math" panose="02040503050406030204" pitchFamily="18" charset="0"/>
+                          </a:rPr>
+                        </m:ctrlPr>
+                      </m:naryPr>
+                      <m:sub>
+                        <m:r>
+                          <m:rPr>
+                            <m:brk m:alnAt="25"/>
+                          </m:rPr>
+                          <a:rPr kumimoji="1" lang="en-US" altLang="ja-JP" b="0" i="1" smtClean="0">
+                            <a:latin typeface="Cambria Math" panose="02040503050406030204" pitchFamily="18" charset="0"/>
+                          </a:rPr>
+                          <m:t>𝑖</m:t>
+                        </m:r>
+                        <m:r>
+                          <a:rPr kumimoji="1" lang="en-US" altLang="ja-JP" b="0" i="1" smtClean="0">
+                            <a:latin typeface="Cambria Math" panose="02040503050406030204" pitchFamily="18" charset="0"/>
+                          </a:rPr>
+                          <m:t>=1</m:t>
+                        </m:r>
+                      </m:sub>
+                      <m:sup>
+                        <m:r>
+                          <a:rPr kumimoji="1" lang="en-US" altLang="ja-JP" b="0" i="1" smtClean="0">
+                            <a:latin typeface="Cambria Math" panose="02040503050406030204" pitchFamily="18" charset="0"/>
+                          </a:rPr>
+                          <m:t>𝑑</m:t>
+                        </m:r>
+                      </m:sup>
+                      <m:e>
+                        <m:sSub>
+                          <m:sSubPr>
+                            <m:ctrlPr>
+                              <a:rPr kumimoji="1" lang="en-US" altLang="ja-JP" b="0" i="1" smtClean="0">
+                                <a:latin typeface="Cambria Math" panose="02040503050406030204" pitchFamily="18" charset="0"/>
+                              </a:rPr>
+                            </m:ctrlPr>
+                          </m:sSubPr>
+                          <m:e>
+                            <m:r>
+                              <a:rPr kumimoji="1" lang="en-US" altLang="ja-JP" b="0" i="1" smtClean="0">
+                                <a:latin typeface="Cambria Math" panose="02040503050406030204" pitchFamily="18" charset="0"/>
+                              </a:rPr>
+                              <m:t>𝑛</m:t>
+                            </m:r>
+                          </m:e>
+                          <m:sub>
+                            <m:r>
+                              <a:rPr kumimoji="1" lang="en-US" altLang="ja-JP" b="0" i="1" smtClean="0">
+                                <a:latin typeface="Cambria Math" panose="02040503050406030204" pitchFamily="18" charset="0"/>
+                              </a:rPr>
+                              <m:t>𝑖</m:t>
+                            </m:r>
+                          </m:sub>
+                        </m:sSub>
+                      </m:e>
+                    </m:nary>
+                  </m:oMath>
+                </a14:m>
+                <a:r>
+                  <a:rPr kumimoji="1" lang="ja-JP" altLang="en-US"/>
+                  <a:t>）</a:t>
+                </a:r>
+                <a:endParaRPr kumimoji="1" lang="en-US" altLang="ja-JP" dirty="0"/>
+              </a:p>
+              <a:p>
+                <a:pPr marL="0" indent="0">
+                  <a:buNone/>
+                </a:pPr>
+                <a:r>
+                  <a:rPr lang="ja-JP" altLang="en-US"/>
+                  <a:t>・</a:t>
+                </a:r>
+                <a14:m>
+                  <m:oMath xmlns:m="http://schemas.openxmlformats.org/officeDocument/2006/math">
+                    <m:sSub>
+                      <m:sSubPr>
+                        <m:ctrlPr>
+                          <a:rPr lang="en-US" altLang="ja-JP" b="0" i="1" smtClean="0">
+                            <a:latin typeface="Cambria Math" panose="02040503050406030204" pitchFamily="18" charset="0"/>
+                          </a:rPr>
+                        </m:ctrlPr>
+                      </m:sSubPr>
+                      <m:e>
+                        <m:r>
+                          <a:rPr lang="en-US" altLang="ja-JP" b="0" i="1" smtClean="0">
+                            <a:latin typeface="Cambria Math" panose="02040503050406030204" pitchFamily="18" charset="0"/>
+                          </a:rPr>
+                          <m:t>𝑠</m:t>
+                        </m:r>
+                      </m:e>
+                      <m:sub>
+                        <m:r>
+                          <a:rPr lang="en-US" altLang="ja-JP" b="0" i="1" smtClean="0">
+                            <a:latin typeface="Cambria Math" panose="02040503050406030204" pitchFamily="18" charset="0"/>
+                          </a:rPr>
+                          <m:t>𝑖</m:t>
+                        </m:r>
+                      </m:sub>
+                    </m:sSub>
+                    <m:r>
+                      <a:rPr lang="en-US" altLang="ja-JP" b="0" i="1" smtClean="0">
+                        <a:latin typeface="Cambria Math" panose="02040503050406030204" pitchFamily="18" charset="0"/>
+                      </a:rPr>
+                      <m:t>: </m:t>
+                    </m:r>
+                  </m:oMath>
+                </a14:m>
+                <a:r>
+                  <a:rPr kumimoji="1" lang="ja-JP" altLang="en-US" dirty="0"/>
+                  <a:t>機関</a:t>
+                </a:r>
+                <a14:m>
+                  <m:oMath xmlns:m="http://schemas.openxmlformats.org/officeDocument/2006/math">
+                    <m:r>
+                      <a:rPr kumimoji="1" lang="en-US" altLang="ja-JP" b="0" i="1" dirty="0" smtClean="0">
+                        <a:latin typeface="Cambria Math" panose="02040503050406030204" pitchFamily="18" charset="0"/>
+                      </a:rPr>
+                      <m:t> </m:t>
+                    </m:r>
+                    <m:r>
+                      <a:rPr kumimoji="1" lang="en-US" altLang="ja-JP" b="0" i="1" dirty="0" smtClean="0">
+                        <a:latin typeface="Cambria Math" panose="02040503050406030204" pitchFamily="18" charset="0"/>
+                      </a:rPr>
+                      <m:t>𝑖</m:t>
+                    </m:r>
+                    <m:r>
+                      <a:rPr kumimoji="1" lang="en-US" altLang="ja-JP" b="0" i="1" dirty="0" smtClean="0">
+                        <a:latin typeface="Cambria Math" panose="02040503050406030204" pitchFamily="18" charset="0"/>
+                      </a:rPr>
+                      <m:t> </m:t>
+                    </m:r>
+                  </m:oMath>
+                </a14:m>
+                <a:r>
+                  <a:rPr kumimoji="1" lang="ja-JP" altLang="en-US" dirty="0"/>
+                  <a:t>の</a:t>
+                </a:r>
+                <a:r>
+                  <a:rPr kumimoji="1" lang="ja-JP" altLang="en-US"/>
+                  <a:t>テストデータの数（全データ数</a:t>
+                </a:r>
+                <a14:m>
+                  <m:oMath xmlns:m="http://schemas.openxmlformats.org/officeDocument/2006/math">
+                    <m:r>
+                      <a:rPr kumimoji="1" lang="en-US" altLang="ja-JP" b="0" i="1" smtClean="0">
+                        <a:latin typeface="Cambria Math" panose="02040503050406030204" pitchFamily="18" charset="0"/>
+                      </a:rPr>
+                      <m:t> </m:t>
+                    </m:r>
+                    <m:r>
+                      <a:rPr kumimoji="1" lang="en-US" altLang="ja-JP" b="0" i="1" smtClean="0">
+                        <a:latin typeface="Cambria Math" panose="02040503050406030204" pitchFamily="18" charset="0"/>
+                      </a:rPr>
+                      <m:t>𝑠</m:t>
+                    </m:r>
+                    <m:r>
+                      <a:rPr kumimoji="1" lang="en-US" altLang="ja-JP" b="0" i="1" smtClean="0">
+                        <a:latin typeface="Cambria Math" panose="02040503050406030204" pitchFamily="18" charset="0"/>
+                      </a:rPr>
+                      <m:t>=</m:t>
+                    </m:r>
+                    <m:nary>
+                      <m:naryPr>
+                        <m:chr m:val="∑"/>
+                        <m:limLoc m:val="subSup"/>
+                        <m:ctrlPr>
+                          <a:rPr kumimoji="1" lang="en-US" altLang="ja-JP" b="0" i="1" smtClean="0">
+                            <a:latin typeface="Cambria Math" panose="02040503050406030204" pitchFamily="18" charset="0"/>
+                          </a:rPr>
+                        </m:ctrlPr>
+                      </m:naryPr>
+                      <m:sub>
+                        <m:r>
+                          <m:rPr>
+                            <m:brk m:alnAt="25"/>
+                          </m:rPr>
+                          <a:rPr kumimoji="1" lang="en-US" altLang="ja-JP" b="0" i="1" smtClean="0">
+                            <a:latin typeface="Cambria Math" panose="02040503050406030204" pitchFamily="18" charset="0"/>
+                          </a:rPr>
+                          <m:t>𝑖</m:t>
+                        </m:r>
+                        <m:r>
+                          <a:rPr kumimoji="1" lang="en-US" altLang="ja-JP" b="0" i="1" smtClean="0">
+                            <a:latin typeface="Cambria Math" panose="02040503050406030204" pitchFamily="18" charset="0"/>
+                          </a:rPr>
+                          <m:t>=1</m:t>
+                        </m:r>
+                      </m:sub>
+                      <m:sup>
+                        <m:r>
+                          <a:rPr kumimoji="1" lang="en-US" altLang="ja-JP" b="0" i="1" smtClean="0">
+                            <a:latin typeface="Cambria Math" panose="02040503050406030204" pitchFamily="18" charset="0"/>
+                          </a:rPr>
+                          <m:t>𝑑</m:t>
+                        </m:r>
+                      </m:sup>
+                      <m:e>
+                        <m:sSub>
+                          <m:sSubPr>
+                            <m:ctrlPr>
+                              <a:rPr kumimoji="1" lang="en-US" altLang="ja-JP" b="0" i="1" smtClean="0">
+                                <a:latin typeface="Cambria Math" panose="02040503050406030204" pitchFamily="18" charset="0"/>
+                              </a:rPr>
+                            </m:ctrlPr>
+                          </m:sSubPr>
+                          <m:e>
+                            <m:r>
+                              <a:rPr kumimoji="1" lang="en-US" altLang="ja-JP" b="0" i="1" smtClean="0">
+                                <a:latin typeface="Cambria Math" panose="02040503050406030204" pitchFamily="18" charset="0"/>
+                              </a:rPr>
+                              <m:t>𝑠</m:t>
+                            </m:r>
+                          </m:e>
+                          <m:sub>
+                            <m:r>
+                              <a:rPr kumimoji="1" lang="en-US" altLang="ja-JP" b="0" i="1" smtClean="0">
+                                <a:latin typeface="Cambria Math" panose="02040503050406030204" pitchFamily="18" charset="0"/>
+                              </a:rPr>
+                              <m:t>𝑖</m:t>
+                            </m:r>
+                          </m:sub>
+                        </m:sSub>
+                      </m:e>
+                    </m:nary>
+                  </m:oMath>
+                </a14:m>
+                <a:r>
+                  <a:rPr kumimoji="1" lang="ja-JP" altLang="en-US"/>
+                  <a:t>）</a:t>
+                </a:r>
+                <a:endParaRPr kumimoji="1" lang="en-US" altLang="ja-JP" dirty="0"/>
+              </a:p>
+              <a:p>
+                <a:pPr marL="0" indent="0">
+                  <a:buNone/>
+                </a:pPr>
+                <a14:m>
+                  <m:oMath xmlns:m="http://schemas.openxmlformats.org/officeDocument/2006/math">
+                    <m:r>
+                      <a:rPr lang="ja-JP" altLang="en-US" b="0" i="1" dirty="0">
+                        <a:latin typeface="Cambria Math" panose="02040503050406030204" pitchFamily="18" charset="0"/>
+                      </a:rPr>
+                      <m:t>・</m:t>
+                    </m:r>
+                    <m:sSub>
+                      <m:sSubPr>
+                        <m:ctrlPr>
+                          <a:rPr kumimoji="1" lang="en-US" altLang="ja-JP" b="0" i="1" smtClean="0">
+                            <a:latin typeface="Cambria Math" panose="02040503050406030204" pitchFamily="18" charset="0"/>
+                          </a:rPr>
+                        </m:ctrlPr>
+                      </m:sSubPr>
+                      <m:e>
+                        <m:r>
+                          <a:rPr kumimoji="1" lang="en-US" altLang="ja-JP" b="0" i="1" smtClean="0">
+                            <a:latin typeface="Cambria Math" panose="02040503050406030204" pitchFamily="18" charset="0"/>
+                          </a:rPr>
+                          <m:t>𝑋</m:t>
+                        </m:r>
+                      </m:e>
+                      <m:sub>
+                        <m:r>
+                          <a:rPr kumimoji="1" lang="en-US" altLang="ja-JP" b="0" i="1" smtClean="0">
+                            <a:latin typeface="Cambria Math" panose="02040503050406030204" pitchFamily="18" charset="0"/>
+                          </a:rPr>
+                          <m:t>𝑖</m:t>
+                        </m:r>
+                      </m:sub>
+                    </m:sSub>
+                    <m:r>
+                      <a:rPr kumimoji="1" lang="en-US" altLang="ja-JP" b="0" i="1" smtClean="0">
+                        <a:latin typeface="Cambria Math" panose="02040503050406030204" pitchFamily="18" charset="0"/>
+                      </a:rPr>
+                      <m:t>:</m:t>
+                    </m:r>
+                    <m:r>
+                      <a:rPr kumimoji="1" lang="ja-JP" altLang="en-US" b="0" i="1" smtClean="0">
+                        <a:latin typeface="Cambria Math" panose="02040503050406030204" pitchFamily="18" charset="0"/>
+                      </a:rPr>
+                      <m:t> </m:t>
+                    </m:r>
+                  </m:oMath>
+                </a14:m>
+                <a:r>
+                  <a:rPr kumimoji="1" lang="ja-JP" altLang="en-US"/>
+                  <a:t>機関</a:t>
+                </a:r>
+                <a14:m>
+                  <m:oMath xmlns:m="http://schemas.openxmlformats.org/officeDocument/2006/math">
+                    <m:r>
+                      <a:rPr kumimoji="1" lang="ja-JP" altLang="en-US" b="0" i="1" smtClean="0">
+                        <a:latin typeface="Cambria Math" panose="02040503050406030204" pitchFamily="18" charset="0"/>
+                      </a:rPr>
+                      <m:t> </m:t>
+                    </m:r>
+                    <m:r>
+                      <a:rPr kumimoji="1" lang="en-US" altLang="ja-JP" b="0" i="1" smtClean="0">
+                        <a:latin typeface="Cambria Math" panose="02040503050406030204" pitchFamily="18" charset="0"/>
+                      </a:rPr>
+                      <m:t>𝑖</m:t>
+                    </m:r>
+                    <m:r>
+                      <a:rPr kumimoji="1" lang="en-US" altLang="ja-JP" b="0" i="1" smtClean="0">
+                        <a:latin typeface="Cambria Math" panose="02040503050406030204" pitchFamily="18" charset="0"/>
+                      </a:rPr>
+                      <m:t> </m:t>
+                    </m:r>
+                  </m:oMath>
+                </a14:m>
+                <a:r>
+                  <a:rPr kumimoji="1" lang="ja-JP" altLang="en-US"/>
+                  <a:t>の学習データセット</a:t>
+                </a:r>
+                <a:endParaRPr kumimoji="1" lang="en-US" altLang="ja-JP" dirty="0"/>
+              </a:p>
+              <a:p>
+                <a:pPr marL="0" indent="0">
+                  <a:buNone/>
+                </a:pPr>
+                <a14:m>
+                  <m:oMathPara xmlns:m="http://schemas.openxmlformats.org/officeDocument/2006/math">
+                    <m:oMathParaPr>
+                      <m:jc m:val="centerGroup"/>
+                    </m:oMathParaPr>
+                    <m:oMath xmlns:m="http://schemas.openxmlformats.org/officeDocument/2006/math">
+                      <m:sSub>
+                        <m:sSubPr>
+                          <m:ctrlPr>
+                            <a:rPr kumimoji="1" lang="en-US" altLang="ja-JP" b="0" i="1" smtClean="0">
+                              <a:latin typeface="Cambria Math" panose="02040503050406030204" pitchFamily="18" charset="0"/>
+                            </a:rPr>
+                          </m:ctrlPr>
+                        </m:sSubPr>
+                        <m:e>
+                          <m:r>
+                            <a:rPr kumimoji="1" lang="en-US" altLang="ja-JP" b="0" i="1" smtClean="0">
+                              <a:latin typeface="Cambria Math" panose="02040503050406030204" pitchFamily="18" charset="0"/>
+                            </a:rPr>
+                            <m:t>𝑋</m:t>
+                          </m:r>
+                        </m:e>
+                        <m:sub>
+                          <m:r>
+                            <a:rPr kumimoji="1" lang="en-US" altLang="ja-JP" b="0" i="1" smtClean="0">
+                              <a:latin typeface="Cambria Math" panose="02040503050406030204" pitchFamily="18" charset="0"/>
+                            </a:rPr>
+                            <m:t>𝑖</m:t>
+                          </m:r>
+                        </m:sub>
+                      </m:sSub>
+                      <m:r>
+                        <a:rPr kumimoji="1" lang="en-US" altLang="ja-JP" b="0" i="1" smtClean="0">
+                          <a:latin typeface="Cambria Math" panose="02040503050406030204" pitchFamily="18" charset="0"/>
+                        </a:rPr>
+                        <m:t>=</m:t>
+                      </m:r>
+                      <m:d>
+                        <m:dPr>
+                          <m:begChr m:val="["/>
+                          <m:endChr m:val="]"/>
+                          <m:ctrlPr>
+                            <a:rPr kumimoji="1" lang="en-US" altLang="ja-JP" b="0" i="1" smtClean="0">
+                              <a:latin typeface="Cambria Math" panose="02040503050406030204" pitchFamily="18" charset="0"/>
+                            </a:rPr>
+                          </m:ctrlPr>
+                        </m:dPr>
+                        <m:e>
+                          <m:sSub>
+                            <m:sSubPr>
+                              <m:ctrlPr>
+                                <a:rPr kumimoji="1" lang="en-US" altLang="ja-JP" b="0" i="1" smtClean="0">
+                                  <a:latin typeface="Cambria Math" panose="02040503050406030204" pitchFamily="18" charset="0"/>
+                                </a:rPr>
+                              </m:ctrlPr>
+                            </m:sSubPr>
+                            <m:e>
+                              <m:r>
+                                <a:rPr kumimoji="1" lang="en-US" altLang="ja-JP" b="1" i="1" smtClean="0">
+                                  <a:latin typeface="Cambria Math" panose="02040503050406030204" pitchFamily="18" charset="0"/>
+                                </a:rPr>
+                                <m:t>𝒙</m:t>
+                              </m:r>
+                            </m:e>
+                            <m:sub>
+                              <m:r>
+                                <a:rPr kumimoji="1" lang="en-US" altLang="ja-JP" b="0" i="1" smtClean="0">
+                                  <a:latin typeface="Cambria Math" panose="02040503050406030204" pitchFamily="18" charset="0"/>
+                                </a:rPr>
+                                <m:t>𝑖</m:t>
+                              </m:r>
+                              <m:r>
+                                <a:rPr kumimoji="1" lang="en-US" altLang="ja-JP" b="0" i="1" smtClean="0">
+                                  <a:latin typeface="Cambria Math" panose="02040503050406030204" pitchFamily="18" charset="0"/>
+                                </a:rPr>
+                                <m:t>1</m:t>
+                              </m:r>
+                            </m:sub>
+                          </m:sSub>
+                          <m:r>
+                            <a:rPr kumimoji="1" lang="en-US" altLang="ja-JP" b="0" i="1" smtClean="0">
+                              <a:latin typeface="Cambria Math" panose="02040503050406030204" pitchFamily="18" charset="0"/>
+                            </a:rPr>
+                            <m:t>, </m:t>
+                          </m:r>
+                          <m:sSub>
+                            <m:sSubPr>
+                              <m:ctrlPr>
+                                <a:rPr kumimoji="1" lang="en-US" altLang="ja-JP" b="0" i="1" smtClean="0">
+                                  <a:latin typeface="Cambria Math" panose="02040503050406030204" pitchFamily="18" charset="0"/>
+                                </a:rPr>
+                              </m:ctrlPr>
+                            </m:sSubPr>
+                            <m:e>
+                              <m:r>
+                                <a:rPr kumimoji="1" lang="en-US" altLang="ja-JP" b="1" i="1" smtClean="0">
+                                  <a:latin typeface="Cambria Math" panose="02040503050406030204" pitchFamily="18" charset="0"/>
+                                </a:rPr>
+                                <m:t>𝒙</m:t>
+                              </m:r>
+                            </m:e>
+                            <m:sub>
+                              <m:r>
+                                <a:rPr kumimoji="1" lang="en-US" altLang="ja-JP" b="0" i="1" smtClean="0">
+                                  <a:latin typeface="Cambria Math" panose="02040503050406030204" pitchFamily="18" charset="0"/>
+                                </a:rPr>
+                                <m:t>𝑖</m:t>
+                              </m:r>
+                              <m:r>
+                                <a:rPr kumimoji="1" lang="en-US" altLang="ja-JP" b="0" i="1" smtClean="0">
+                                  <a:latin typeface="Cambria Math" panose="02040503050406030204" pitchFamily="18" charset="0"/>
+                                </a:rPr>
+                                <m:t>2</m:t>
+                              </m:r>
+                            </m:sub>
+                          </m:sSub>
+                          <m:r>
+                            <a:rPr kumimoji="1" lang="en-US" altLang="ja-JP" b="0" i="1" smtClean="0">
+                              <a:latin typeface="Cambria Math" panose="02040503050406030204" pitchFamily="18" charset="0"/>
+                            </a:rPr>
+                            <m:t>, …, </m:t>
+                          </m:r>
+                          <m:sSub>
+                            <m:sSubPr>
+                              <m:ctrlPr>
+                                <a:rPr kumimoji="1" lang="en-US" altLang="ja-JP" b="0" i="1" smtClean="0">
+                                  <a:latin typeface="Cambria Math" panose="02040503050406030204" pitchFamily="18" charset="0"/>
+                                </a:rPr>
+                              </m:ctrlPr>
+                            </m:sSubPr>
+                            <m:e>
+                              <m:r>
+                                <a:rPr kumimoji="1" lang="en-US" altLang="ja-JP" b="1" i="1" smtClean="0">
+                                  <a:latin typeface="Cambria Math" panose="02040503050406030204" pitchFamily="18" charset="0"/>
+                                </a:rPr>
+                                <m:t>𝒙</m:t>
+                              </m:r>
+                            </m:e>
+                            <m:sub>
+                              <m:r>
+                                <a:rPr kumimoji="1" lang="en-US" altLang="ja-JP" b="0" i="1" smtClean="0">
+                                  <a:latin typeface="Cambria Math" panose="02040503050406030204" pitchFamily="18" charset="0"/>
+                                </a:rPr>
+                                <m:t>𝑖</m:t>
+                              </m:r>
+                              <m:sSub>
+                                <m:sSubPr>
+                                  <m:ctrlPr>
+                                    <a:rPr kumimoji="1" lang="en-US" altLang="ja-JP" b="0" i="1" smtClean="0">
+                                      <a:latin typeface="Cambria Math" panose="02040503050406030204" pitchFamily="18" charset="0"/>
+                                    </a:rPr>
+                                  </m:ctrlPr>
+                                </m:sSubPr>
+                                <m:e>
+                                  <m:r>
+                                    <a:rPr kumimoji="1" lang="en-US" altLang="ja-JP" b="0" i="1" smtClean="0">
+                                      <a:latin typeface="Cambria Math" panose="02040503050406030204" pitchFamily="18" charset="0"/>
+                                    </a:rPr>
+                                    <m:t>𝑛</m:t>
+                                  </m:r>
+                                </m:e>
+                                <m:sub>
+                                  <m:r>
+                                    <a:rPr kumimoji="1" lang="en-US" altLang="ja-JP" b="0" i="1" smtClean="0">
+                                      <a:latin typeface="Cambria Math" panose="02040503050406030204" pitchFamily="18" charset="0"/>
+                                    </a:rPr>
+                                    <m:t>𝑖</m:t>
+                                  </m:r>
+                                </m:sub>
+                              </m:sSub>
+                            </m:sub>
+                          </m:sSub>
+                        </m:e>
+                      </m:d>
+                      <m:r>
+                        <a:rPr kumimoji="1" lang="en-US" altLang="ja-JP" b="0" i="1" smtClean="0">
+                          <a:latin typeface="Cambria Math" panose="02040503050406030204" pitchFamily="18" charset="0"/>
+                        </a:rPr>
+                        <m:t>∈</m:t>
+                      </m:r>
+                      <m:sSup>
+                        <m:sSupPr>
+                          <m:ctrlPr>
+                            <a:rPr kumimoji="1" lang="en-US" altLang="ja-JP" b="0" i="1" smtClean="0">
+                              <a:latin typeface="Cambria Math" panose="02040503050406030204" pitchFamily="18" charset="0"/>
+                            </a:rPr>
+                          </m:ctrlPr>
+                        </m:sSupPr>
+                        <m:e>
+                          <m:r>
+                            <a:rPr kumimoji="1" lang="en-US" altLang="ja-JP" b="1" i="1" smtClean="0">
+                              <a:latin typeface="Cambria Math" panose="02040503050406030204" pitchFamily="18" charset="0"/>
+                            </a:rPr>
+                            <m:t>𝑹</m:t>
+                          </m:r>
+                        </m:e>
+                        <m:sup>
+                          <m:r>
+                            <a:rPr kumimoji="1" lang="en-US" altLang="ja-JP" b="0" i="1" smtClean="0">
+                              <a:latin typeface="Cambria Math" panose="02040503050406030204" pitchFamily="18" charset="0"/>
+                            </a:rPr>
+                            <m:t>𝑚</m:t>
+                          </m:r>
+                          <m:r>
+                            <a:rPr kumimoji="1" lang="en-US" altLang="ja-JP" b="0" i="1" smtClean="0">
+                              <a:latin typeface="Cambria Math" panose="02040503050406030204" pitchFamily="18" charset="0"/>
+                            </a:rPr>
+                            <m:t>×</m:t>
+                          </m:r>
+                          <m:sSub>
+                            <m:sSubPr>
+                              <m:ctrlPr>
+                                <a:rPr kumimoji="1" lang="en-US" altLang="ja-JP" b="0" i="1" smtClean="0">
+                                  <a:latin typeface="Cambria Math" panose="02040503050406030204" pitchFamily="18" charset="0"/>
+                                </a:rPr>
+                              </m:ctrlPr>
+                            </m:sSubPr>
+                            <m:e>
+                              <m:r>
+                                <a:rPr kumimoji="1" lang="en-US" altLang="ja-JP" b="0" i="1" smtClean="0">
+                                  <a:latin typeface="Cambria Math" panose="02040503050406030204" pitchFamily="18" charset="0"/>
+                                </a:rPr>
+                                <m:t>𝑛</m:t>
+                              </m:r>
+                            </m:e>
+                            <m:sub>
+                              <m:r>
+                                <a:rPr kumimoji="1" lang="en-US" altLang="ja-JP" b="0" i="1" smtClean="0">
+                                  <a:latin typeface="Cambria Math" panose="02040503050406030204" pitchFamily="18" charset="0"/>
+                                </a:rPr>
+                                <m:t>𝑖</m:t>
+                              </m:r>
+                            </m:sub>
+                          </m:sSub>
+                        </m:sup>
+                      </m:sSup>
+                    </m:oMath>
+                  </m:oMathPara>
+                </a14:m>
+                <a:endParaRPr kumimoji="1" lang="en-US" altLang="ja-JP" dirty="0"/>
+              </a:p>
+              <a:p>
+                <a:pPr marL="0" indent="0">
+                  <a:buNone/>
+                </a:pPr>
+                <a:r>
+                  <a:rPr lang="ja-JP" altLang="en-US"/>
+                  <a:t>・</a:t>
+                </a:r>
+                <a14:m>
+                  <m:oMath xmlns:m="http://schemas.openxmlformats.org/officeDocument/2006/math">
+                    <m:sSub>
+                      <m:sSubPr>
+                        <m:ctrlPr>
+                          <a:rPr lang="en-US" altLang="ja-JP" b="0" i="1" smtClean="0">
+                            <a:latin typeface="Cambria Math" panose="02040503050406030204" pitchFamily="18" charset="0"/>
+                          </a:rPr>
+                        </m:ctrlPr>
+                      </m:sSubPr>
+                      <m:e>
+                        <m:r>
+                          <a:rPr lang="en-US" altLang="ja-JP" b="0" i="1" smtClean="0">
+                            <a:latin typeface="Cambria Math" panose="02040503050406030204" pitchFamily="18" charset="0"/>
+                          </a:rPr>
+                          <m:t>𝐿</m:t>
+                        </m:r>
+                      </m:e>
+                      <m:sub>
+                        <m:r>
+                          <a:rPr lang="en-US" altLang="ja-JP" b="0" i="1" smtClean="0">
+                            <a:latin typeface="Cambria Math" panose="02040503050406030204" pitchFamily="18" charset="0"/>
+                          </a:rPr>
+                          <m:t>𝑖</m:t>
+                        </m:r>
+                      </m:sub>
+                    </m:sSub>
+                    <m:r>
+                      <a:rPr lang="en-US" altLang="ja-JP" b="0" i="1" smtClean="0">
+                        <a:latin typeface="Cambria Math" panose="02040503050406030204" pitchFamily="18" charset="0"/>
+                      </a:rPr>
+                      <m:t>: </m:t>
+                    </m:r>
+                  </m:oMath>
+                </a14:m>
+                <a:r>
+                  <a:rPr kumimoji="1" lang="ja-JP" altLang="en-US" dirty="0"/>
+                  <a:t>機関</a:t>
+                </a:r>
+                <a14:m>
+                  <m:oMath xmlns:m="http://schemas.openxmlformats.org/officeDocument/2006/math">
+                    <m:r>
+                      <a:rPr kumimoji="1" lang="en-US" altLang="ja-JP" b="0" i="1" dirty="0" smtClean="0">
+                        <a:latin typeface="Cambria Math" panose="02040503050406030204" pitchFamily="18" charset="0"/>
+                      </a:rPr>
+                      <m:t> </m:t>
+                    </m:r>
+                    <m:r>
+                      <a:rPr kumimoji="1" lang="en-US" altLang="ja-JP" b="0" i="1" dirty="0" smtClean="0">
+                        <a:latin typeface="Cambria Math" panose="02040503050406030204" pitchFamily="18" charset="0"/>
+                      </a:rPr>
+                      <m:t>𝑖</m:t>
+                    </m:r>
+                    <m:r>
+                      <a:rPr kumimoji="1" lang="en-US" altLang="ja-JP" b="0" i="1" dirty="0" smtClean="0">
+                        <a:latin typeface="Cambria Math" panose="02040503050406030204" pitchFamily="18" charset="0"/>
+                      </a:rPr>
+                      <m:t> </m:t>
+                    </m:r>
+                  </m:oMath>
+                </a14:m>
+                <a:r>
+                  <a:rPr kumimoji="1" lang="ja-JP" altLang="en-US"/>
+                  <a:t>の学習データセットの正解</a:t>
+                </a:r>
+                <a:endParaRPr kumimoji="1" lang="en-US" altLang="ja-JP" dirty="0"/>
+              </a:p>
+              <a:p>
+                <a:pPr marL="0" indent="0">
+                  <a:buNone/>
+                </a:pPr>
+                <a14:m>
+                  <m:oMathPara xmlns:m="http://schemas.openxmlformats.org/officeDocument/2006/math">
+                    <m:oMathParaPr>
+                      <m:jc m:val="centerGroup"/>
+                    </m:oMathParaPr>
+                    <m:oMath xmlns:m="http://schemas.openxmlformats.org/officeDocument/2006/math">
+                      <m:sSub>
+                        <m:sSubPr>
+                          <m:ctrlPr>
+                            <a:rPr kumimoji="1" lang="en-US" altLang="ja-JP" b="0" i="1" smtClean="0">
+                              <a:latin typeface="Cambria Math" panose="02040503050406030204" pitchFamily="18" charset="0"/>
+                            </a:rPr>
+                          </m:ctrlPr>
+                        </m:sSubPr>
+                        <m:e>
+                          <m:r>
+                            <a:rPr kumimoji="1" lang="en-US" altLang="ja-JP" b="0" i="1" smtClean="0">
+                              <a:latin typeface="Cambria Math" panose="02040503050406030204" pitchFamily="18" charset="0"/>
+                            </a:rPr>
+                            <m:t>𝐿</m:t>
+                          </m:r>
+                        </m:e>
+                        <m:sub>
+                          <m:r>
+                            <a:rPr kumimoji="1" lang="en-US" altLang="ja-JP" b="0" i="1" smtClean="0">
+                              <a:latin typeface="Cambria Math" panose="02040503050406030204" pitchFamily="18" charset="0"/>
+                            </a:rPr>
+                            <m:t>𝑖</m:t>
+                          </m:r>
+                        </m:sub>
+                      </m:sSub>
+                      <m:r>
+                        <a:rPr kumimoji="1" lang="en-US" altLang="ja-JP" b="0" i="1" smtClean="0">
+                          <a:latin typeface="Cambria Math" panose="02040503050406030204" pitchFamily="18" charset="0"/>
+                        </a:rPr>
+                        <m:t>=</m:t>
+                      </m:r>
+                      <m:d>
+                        <m:dPr>
+                          <m:begChr m:val="["/>
+                          <m:endChr m:val="]"/>
+                          <m:ctrlPr>
+                            <a:rPr kumimoji="1" lang="en-US" altLang="ja-JP" b="0" i="1" smtClean="0">
+                              <a:latin typeface="Cambria Math" panose="02040503050406030204" pitchFamily="18" charset="0"/>
+                            </a:rPr>
+                          </m:ctrlPr>
+                        </m:dPr>
+                        <m:e>
+                          <m:sSub>
+                            <m:sSubPr>
+                              <m:ctrlPr>
+                                <a:rPr kumimoji="1" lang="en-US" altLang="ja-JP" b="0" i="1" smtClean="0">
+                                  <a:latin typeface="Cambria Math" panose="02040503050406030204" pitchFamily="18" charset="0"/>
+                                </a:rPr>
+                              </m:ctrlPr>
+                            </m:sSubPr>
+                            <m:e>
+                              <m:r>
+                                <a:rPr kumimoji="1" lang="en-US" altLang="ja-JP" b="1" i="1" smtClean="0">
+                                  <a:latin typeface="Cambria Math" panose="02040503050406030204" pitchFamily="18" charset="0"/>
+                                </a:rPr>
+                                <m:t>𝒍</m:t>
+                              </m:r>
+                            </m:e>
+                            <m:sub>
+                              <m:r>
+                                <a:rPr kumimoji="1" lang="en-US" altLang="ja-JP" b="0" i="1" smtClean="0">
+                                  <a:latin typeface="Cambria Math" panose="02040503050406030204" pitchFamily="18" charset="0"/>
+                                </a:rPr>
+                                <m:t>𝑖</m:t>
+                              </m:r>
+                              <m:r>
+                                <a:rPr kumimoji="1" lang="en-US" altLang="ja-JP" b="0" i="1" smtClean="0">
+                                  <a:latin typeface="Cambria Math" panose="02040503050406030204" pitchFamily="18" charset="0"/>
+                                </a:rPr>
+                                <m:t>1</m:t>
+                              </m:r>
+                            </m:sub>
+                          </m:sSub>
+                          <m:r>
+                            <a:rPr kumimoji="1" lang="en-US" altLang="ja-JP" b="0" i="1" smtClean="0">
+                              <a:latin typeface="Cambria Math" panose="02040503050406030204" pitchFamily="18" charset="0"/>
+                            </a:rPr>
+                            <m:t>, </m:t>
+                          </m:r>
+                          <m:sSub>
+                            <m:sSubPr>
+                              <m:ctrlPr>
+                                <a:rPr kumimoji="1" lang="en-US" altLang="ja-JP" b="0" i="1" smtClean="0">
+                                  <a:latin typeface="Cambria Math" panose="02040503050406030204" pitchFamily="18" charset="0"/>
+                                </a:rPr>
+                              </m:ctrlPr>
+                            </m:sSubPr>
+                            <m:e>
+                              <m:r>
+                                <a:rPr kumimoji="1" lang="en-US" altLang="ja-JP" b="1" i="1" smtClean="0">
+                                  <a:latin typeface="Cambria Math" panose="02040503050406030204" pitchFamily="18" charset="0"/>
+                                </a:rPr>
+                                <m:t>𝒍</m:t>
+                              </m:r>
+                            </m:e>
+                            <m:sub>
+                              <m:r>
+                                <a:rPr kumimoji="1" lang="en-US" altLang="ja-JP" b="0" i="1" smtClean="0">
+                                  <a:latin typeface="Cambria Math" panose="02040503050406030204" pitchFamily="18" charset="0"/>
+                                </a:rPr>
+                                <m:t>𝑖</m:t>
+                              </m:r>
+                              <m:r>
+                                <a:rPr kumimoji="1" lang="en-US" altLang="ja-JP" b="0" i="1" smtClean="0">
+                                  <a:latin typeface="Cambria Math" panose="02040503050406030204" pitchFamily="18" charset="0"/>
+                                </a:rPr>
+                                <m:t>2</m:t>
+                              </m:r>
+                            </m:sub>
+                          </m:sSub>
+                          <m:r>
+                            <a:rPr kumimoji="1" lang="en-US" altLang="ja-JP" b="0" i="1" smtClean="0">
+                              <a:latin typeface="Cambria Math" panose="02040503050406030204" pitchFamily="18" charset="0"/>
+                            </a:rPr>
+                            <m:t>,…, </m:t>
+                          </m:r>
+                          <m:sSub>
+                            <m:sSubPr>
+                              <m:ctrlPr>
+                                <a:rPr kumimoji="1" lang="en-US" altLang="ja-JP" b="0" i="1" smtClean="0">
+                                  <a:latin typeface="Cambria Math" panose="02040503050406030204" pitchFamily="18" charset="0"/>
+                                </a:rPr>
+                              </m:ctrlPr>
+                            </m:sSubPr>
+                            <m:e>
+                              <m:r>
+                                <a:rPr kumimoji="1" lang="en-US" altLang="ja-JP" b="1" i="1" smtClean="0">
+                                  <a:latin typeface="Cambria Math" panose="02040503050406030204" pitchFamily="18" charset="0"/>
+                                </a:rPr>
+                                <m:t>𝒍</m:t>
+                              </m:r>
+                            </m:e>
+                            <m:sub>
+                              <m:r>
+                                <a:rPr kumimoji="1" lang="en-US" altLang="ja-JP" b="0" i="1" smtClean="0">
+                                  <a:latin typeface="Cambria Math" panose="02040503050406030204" pitchFamily="18" charset="0"/>
+                                </a:rPr>
+                                <m:t>𝑖</m:t>
+                              </m:r>
+                              <m:sSub>
+                                <m:sSubPr>
+                                  <m:ctrlPr>
+                                    <a:rPr kumimoji="1" lang="en-US" altLang="ja-JP" b="0" i="1" smtClean="0">
+                                      <a:latin typeface="Cambria Math" panose="02040503050406030204" pitchFamily="18" charset="0"/>
+                                    </a:rPr>
+                                  </m:ctrlPr>
+                                </m:sSubPr>
+                                <m:e>
+                                  <m:r>
+                                    <a:rPr kumimoji="1" lang="en-US" altLang="ja-JP" b="0" i="1" smtClean="0">
+                                      <a:latin typeface="Cambria Math" panose="02040503050406030204" pitchFamily="18" charset="0"/>
+                                    </a:rPr>
+                                    <m:t>𝑛</m:t>
+                                  </m:r>
+                                </m:e>
+                                <m:sub>
+                                  <m:r>
+                                    <a:rPr kumimoji="1" lang="en-US" altLang="ja-JP" b="0" i="1" smtClean="0">
+                                      <a:latin typeface="Cambria Math" panose="02040503050406030204" pitchFamily="18" charset="0"/>
+                                    </a:rPr>
+                                    <m:t>𝑖</m:t>
+                                  </m:r>
+                                </m:sub>
+                              </m:sSub>
+                            </m:sub>
+                          </m:sSub>
+                        </m:e>
+                      </m:d>
+                      <m:r>
+                        <a:rPr kumimoji="1" lang="en-US" altLang="ja-JP" b="0" i="1" smtClean="0">
+                          <a:latin typeface="Cambria Math" panose="02040503050406030204" pitchFamily="18" charset="0"/>
+                        </a:rPr>
+                        <m:t>∈</m:t>
+                      </m:r>
+                      <m:sSup>
+                        <m:sSupPr>
+                          <m:ctrlPr>
+                            <a:rPr kumimoji="1" lang="en-US" altLang="ja-JP" b="0" i="1" smtClean="0">
+                              <a:latin typeface="Cambria Math" panose="02040503050406030204" pitchFamily="18" charset="0"/>
+                            </a:rPr>
+                          </m:ctrlPr>
+                        </m:sSupPr>
+                        <m:e>
+                          <m:r>
+                            <a:rPr kumimoji="1" lang="en-US" altLang="ja-JP" b="1" i="1" smtClean="0">
+                              <a:latin typeface="Cambria Math" panose="02040503050406030204" pitchFamily="18" charset="0"/>
+                            </a:rPr>
+                            <m:t>𝑹</m:t>
+                          </m:r>
+                        </m:e>
+                        <m:sup>
+                          <m:r>
+                            <a:rPr kumimoji="1" lang="en-US" altLang="ja-JP" b="0" i="1" smtClean="0">
+                              <a:latin typeface="Cambria Math" panose="02040503050406030204" pitchFamily="18" charset="0"/>
+                            </a:rPr>
+                            <m:t>𝑙</m:t>
+                          </m:r>
+                          <m:r>
+                            <a:rPr kumimoji="1" lang="en-US" altLang="ja-JP" b="0" i="1" smtClean="0">
+                              <a:latin typeface="Cambria Math" panose="02040503050406030204" pitchFamily="18" charset="0"/>
+                            </a:rPr>
+                            <m:t>×</m:t>
+                          </m:r>
+                          <m:sSub>
+                            <m:sSubPr>
+                              <m:ctrlPr>
+                                <a:rPr kumimoji="1" lang="en-US" altLang="ja-JP" b="0" i="1" smtClean="0">
+                                  <a:latin typeface="Cambria Math" panose="02040503050406030204" pitchFamily="18" charset="0"/>
+                                </a:rPr>
+                              </m:ctrlPr>
+                            </m:sSubPr>
+                            <m:e>
+                              <m:r>
+                                <a:rPr kumimoji="1" lang="en-US" altLang="ja-JP" b="0" i="1" smtClean="0">
+                                  <a:latin typeface="Cambria Math" panose="02040503050406030204" pitchFamily="18" charset="0"/>
+                                </a:rPr>
+                                <m:t>𝑛</m:t>
+                              </m:r>
+                            </m:e>
+                            <m:sub>
+                              <m:r>
+                                <a:rPr kumimoji="1" lang="en-US" altLang="ja-JP" b="0" i="1" smtClean="0">
+                                  <a:latin typeface="Cambria Math" panose="02040503050406030204" pitchFamily="18" charset="0"/>
+                                </a:rPr>
+                                <m:t>𝑖</m:t>
+                              </m:r>
+                            </m:sub>
+                          </m:sSub>
+                        </m:sup>
+                      </m:sSup>
+                    </m:oMath>
+                  </m:oMathPara>
+                </a14:m>
+                <a:endParaRPr kumimoji="1" lang="en-US" altLang="ja-JP" dirty="0"/>
+              </a:p>
+              <a:p>
+                <a:pPr marL="0" indent="0">
+                  <a:buNone/>
+                </a:pPr>
+                <a:r>
+                  <a:rPr kumimoji="1" lang="ja-JP" altLang="en-US"/>
+                  <a:t>・</a:t>
+                </a:r>
+                <a14:m>
+                  <m:oMath xmlns:m="http://schemas.openxmlformats.org/officeDocument/2006/math">
+                    <m:sSub>
+                      <m:sSubPr>
+                        <m:ctrlPr>
+                          <a:rPr kumimoji="1" lang="en-US" altLang="ja-JP" b="0" i="1" smtClean="0">
+                            <a:latin typeface="Cambria Math" panose="02040503050406030204" pitchFamily="18" charset="0"/>
+                          </a:rPr>
+                        </m:ctrlPr>
+                      </m:sSubPr>
+                      <m:e>
+                        <m:r>
+                          <a:rPr kumimoji="1" lang="en-US" altLang="ja-JP" b="0" i="1" smtClean="0">
+                            <a:latin typeface="Cambria Math" panose="02040503050406030204" pitchFamily="18" charset="0"/>
+                          </a:rPr>
+                          <m:t>𝑌</m:t>
+                        </m:r>
+                      </m:e>
+                      <m:sub>
+                        <m:r>
+                          <a:rPr kumimoji="1" lang="en-US" altLang="ja-JP" b="0" i="1" smtClean="0">
+                            <a:latin typeface="Cambria Math" panose="02040503050406030204" pitchFamily="18" charset="0"/>
+                          </a:rPr>
+                          <m:t>𝑖</m:t>
+                        </m:r>
+                      </m:sub>
+                    </m:sSub>
+                    <m:r>
+                      <a:rPr kumimoji="1" lang="en-US" altLang="ja-JP" b="0" i="1" smtClean="0">
+                        <a:latin typeface="Cambria Math" panose="02040503050406030204" pitchFamily="18" charset="0"/>
+                      </a:rPr>
+                      <m:t>: </m:t>
+                    </m:r>
+                  </m:oMath>
+                </a14:m>
+                <a:r>
+                  <a:rPr kumimoji="1" lang="ja-JP" altLang="en-US" dirty="0"/>
+                  <a:t>機関</a:t>
+                </a:r>
+                <a14:m>
+                  <m:oMath xmlns:m="http://schemas.openxmlformats.org/officeDocument/2006/math">
+                    <m:r>
+                      <a:rPr kumimoji="1" lang="en-US" altLang="ja-JP" b="0" i="1" dirty="0" smtClean="0">
+                        <a:latin typeface="Cambria Math" panose="02040503050406030204" pitchFamily="18" charset="0"/>
+                      </a:rPr>
+                      <m:t> </m:t>
+                    </m:r>
+                    <m:r>
+                      <a:rPr kumimoji="1" lang="en-US" altLang="ja-JP" b="0" i="1" dirty="0" smtClean="0">
+                        <a:latin typeface="Cambria Math" panose="02040503050406030204" pitchFamily="18" charset="0"/>
+                      </a:rPr>
+                      <m:t>𝑖</m:t>
+                    </m:r>
+                    <m:r>
+                      <a:rPr kumimoji="1" lang="en-US" altLang="ja-JP" b="0" i="1" dirty="0" smtClean="0">
+                        <a:latin typeface="Cambria Math" panose="02040503050406030204" pitchFamily="18" charset="0"/>
+                      </a:rPr>
+                      <m:t> </m:t>
+                    </m:r>
+                  </m:oMath>
+                </a14:m>
+                <a:r>
+                  <a:rPr kumimoji="1" lang="ja-JP" altLang="en-US"/>
+                  <a:t>のテストデータセット</a:t>
+                </a:r>
+                <a:endParaRPr kumimoji="1" lang="en-US" altLang="ja-JP" dirty="0"/>
+              </a:p>
+              <a:p>
+                <a:pPr marL="0" indent="0">
+                  <a:buNone/>
+                </a:pPr>
+                <a14:m>
+                  <m:oMathPara xmlns:m="http://schemas.openxmlformats.org/officeDocument/2006/math">
+                    <m:oMathParaPr>
+                      <m:jc m:val="centerGroup"/>
+                    </m:oMathParaPr>
+                    <m:oMath xmlns:m="http://schemas.openxmlformats.org/officeDocument/2006/math">
+                      <m:sSub>
+                        <m:sSubPr>
+                          <m:ctrlPr>
+                            <a:rPr kumimoji="1" lang="en-US" altLang="ja-JP" b="0" i="1" smtClean="0">
+                              <a:latin typeface="Cambria Math" panose="02040503050406030204" pitchFamily="18" charset="0"/>
+                            </a:rPr>
+                          </m:ctrlPr>
+                        </m:sSubPr>
+                        <m:e>
+                          <m:r>
+                            <a:rPr kumimoji="1" lang="en-US" altLang="ja-JP" b="0" i="1" smtClean="0">
+                              <a:latin typeface="Cambria Math" panose="02040503050406030204" pitchFamily="18" charset="0"/>
+                            </a:rPr>
+                            <m:t>𝑌</m:t>
+                          </m:r>
+                        </m:e>
+                        <m:sub>
+                          <m:r>
+                            <a:rPr kumimoji="1" lang="en-US" altLang="ja-JP" b="0" i="1" smtClean="0">
+                              <a:latin typeface="Cambria Math" panose="02040503050406030204" pitchFamily="18" charset="0"/>
+                            </a:rPr>
+                            <m:t>𝑖</m:t>
+                          </m:r>
+                        </m:sub>
+                      </m:sSub>
+                      <m:r>
+                        <a:rPr kumimoji="1" lang="en-US" altLang="ja-JP" b="0" i="1" smtClean="0">
+                          <a:latin typeface="Cambria Math" panose="02040503050406030204" pitchFamily="18" charset="0"/>
+                        </a:rPr>
+                        <m:t>=</m:t>
+                      </m:r>
+                      <m:d>
+                        <m:dPr>
+                          <m:begChr m:val="["/>
+                          <m:endChr m:val="]"/>
+                          <m:ctrlPr>
+                            <a:rPr kumimoji="1" lang="en-US" altLang="ja-JP" b="0" i="1" smtClean="0">
+                              <a:latin typeface="Cambria Math" panose="02040503050406030204" pitchFamily="18" charset="0"/>
+                            </a:rPr>
+                          </m:ctrlPr>
+                        </m:dPr>
+                        <m:e>
+                          <m:sSub>
+                            <m:sSubPr>
+                              <m:ctrlPr>
+                                <a:rPr kumimoji="1" lang="en-US" altLang="ja-JP" b="0" i="1" smtClean="0">
+                                  <a:latin typeface="Cambria Math" panose="02040503050406030204" pitchFamily="18" charset="0"/>
+                                </a:rPr>
+                              </m:ctrlPr>
+                            </m:sSubPr>
+                            <m:e>
+                              <m:r>
+                                <a:rPr kumimoji="1" lang="en-US" altLang="ja-JP" b="1" i="1" smtClean="0">
+                                  <a:latin typeface="Cambria Math" panose="02040503050406030204" pitchFamily="18" charset="0"/>
+                                </a:rPr>
+                                <m:t>𝒚</m:t>
+                              </m:r>
+                            </m:e>
+                            <m:sub>
+                              <m:r>
+                                <a:rPr kumimoji="1" lang="en-US" altLang="ja-JP" b="0" i="1" smtClean="0">
+                                  <a:latin typeface="Cambria Math" panose="02040503050406030204" pitchFamily="18" charset="0"/>
+                                </a:rPr>
+                                <m:t>𝑖</m:t>
+                              </m:r>
+                              <m:r>
+                                <a:rPr kumimoji="1" lang="en-US" altLang="ja-JP" b="0" i="1" smtClean="0">
+                                  <a:latin typeface="Cambria Math" panose="02040503050406030204" pitchFamily="18" charset="0"/>
+                                </a:rPr>
+                                <m:t>1</m:t>
+                              </m:r>
+                            </m:sub>
+                          </m:sSub>
+                          <m:r>
+                            <a:rPr kumimoji="1" lang="en-US" altLang="ja-JP" b="0" i="1" smtClean="0">
+                              <a:latin typeface="Cambria Math" panose="02040503050406030204" pitchFamily="18" charset="0"/>
+                            </a:rPr>
+                            <m:t>, </m:t>
+                          </m:r>
+                          <m:sSub>
+                            <m:sSubPr>
+                              <m:ctrlPr>
+                                <a:rPr kumimoji="1" lang="en-US" altLang="ja-JP" b="0" i="1" smtClean="0">
+                                  <a:latin typeface="Cambria Math" panose="02040503050406030204" pitchFamily="18" charset="0"/>
+                                </a:rPr>
+                              </m:ctrlPr>
+                            </m:sSubPr>
+                            <m:e>
+                              <m:r>
+                                <a:rPr kumimoji="1" lang="en-US" altLang="ja-JP" b="1" i="1" smtClean="0">
+                                  <a:latin typeface="Cambria Math" panose="02040503050406030204" pitchFamily="18" charset="0"/>
+                                </a:rPr>
+                                <m:t>𝒚</m:t>
+                              </m:r>
+                            </m:e>
+                            <m:sub>
+                              <m:r>
+                                <a:rPr kumimoji="1" lang="en-US" altLang="ja-JP" b="0" i="1" smtClean="0">
+                                  <a:latin typeface="Cambria Math" panose="02040503050406030204" pitchFamily="18" charset="0"/>
+                                </a:rPr>
+                                <m:t>𝑖</m:t>
+                              </m:r>
+                              <m:r>
+                                <a:rPr kumimoji="1" lang="en-US" altLang="ja-JP" b="0" i="1" smtClean="0">
+                                  <a:latin typeface="Cambria Math" panose="02040503050406030204" pitchFamily="18" charset="0"/>
+                                </a:rPr>
+                                <m:t>2</m:t>
+                              </m:r>
+                            </m:sub>
+                          </m:sSub>
+                          <m:r>
+                            <a:rPr kumimoji="1" lang="en-US" altLang="ja-JP" b="0" i="1" smtClean="0">
+                              <a:latin typeface="Cambria Math" panose="02040503050406030204" pitchFamily="18" charset="0"/>
+                            </a:rPr>
+                            <m:t>,…, </m:t>
+                          </m:r>
+                          <m:sSub>
+                            <m:sSubPr>
+                              <m:ctrlPr>
+                                <a:rPr kumimoji="1" lang="en-US" altLang="ja-JP" b="0" i="1" smtClean="0">
+                                  <a:latin typeface="Cambria Math" panose="02040503050406030204" pitchFamily="18" charset="0"/>
+                                </a:rPr>
+                              </m:ctrlPr>
+                            </m:sSubPr>
+                            <m:e>
+                              <m:r>
+                                <a:rPr kumimoji="1" lang="en-US" altLang="ja-JP" b="1" i="1" smtClean="0">
+                                  <a:latin typeface="Cambria Math" panose="02040503050406030204" pitchFamily="18" charset="0"/>
+                                </a:rPr>
+                                <m:t>𝒚</m:t>
+                              </m:r>
+                            </m:e>
+                            <m:sub>
+                              <m:r>
+                                <a:rPr kumimoji="1" lang="en-US" altLang="ja-JP" b="0" i="1" smtClean="0">
+                                  <a:latin typeface="Cambria Math" panose="02040503050406030204" pitchFamily="18" charset="0"/>
+                                </a:rPr>
+                                <m:t>𝑖</m:t>
+                              </m:r>
+                              <m:sSub>
+                                <m:sSubPr>
+                                  <m:ctrlPr>
+                                    <a:rPr kumimoji="1" lang="en-US" altLang="ja-JP" b="0" i="1" smtClean="0">
+                                      <a:latin typeface="Cambria Math" panose="02040503050406030204" pitchFamily="18" charset="0"/>
+                                    </a:rPr>
+                                  </m:ctrlPr>
+                                </m:sSubPr>
+                                <m:e>
+                                  <m:r>
+                                    <a:rPr kumimoji="1" lang="en-US" altLang="ja-JP" b="0" i="1" smtClean="0">
+                                      <a:latin typeface="Cambria Math" panose="02040503050406030204" pitchFamily="18" charset="0"/>
+                                    </a:rPr>
+                                    <m:t>𝑠</m:t>
+                                  </m:r>
+                                </m:e>
+                                <m:sub>
+                                  <m:r>
+                                    <a:rPr kumimoji="1" lang="en-US" altLang="ja-JP" b="0" i="1" smtClean="0">
+                                      <a:latin typeface="Cambria Math" panose="02040503050406030204" pitchFamily="18" charset="0"/>
+                                    </a:rPr>
+                                    <m:t>𝑖</m:t>
+                                  </m:r>
+                                </m:sub>
+                              </m:sSub>
+                            </m:sub>
+                          </m:sSub>
+                        </m:e>
+                      </m:d>
+                      <m:r>
+                        <a:rPr kumimoji="1" lang="en-US" altLang="ja-JP" b="0" i="1" smtClean="0">
+                          <a:latin typeface="Cambria Math" panose="02040503050406030204" pitchFamily="18" charset="0"/>
+                        </a:rPr>
+                        <m:t>∈</m:t>
+                      </m:r>
+                      <m:sSup>
+                        <m:sSupPr>
+                          <m:ctrlPr>
+                            <a:rPr kumimoji="1" lang="en-US" altLang="ja-JP" b="0" i="1" smtClean="0">
+                              <a:latin typeface="Cambria Math" panose="02040503050406030204" pitchFamily="18" charset="0"/>
+                            </a:rPr>
+                          </m:ctrlPr>
+                        </m:sSupPr>
+                        <m:e>
+                          <m:r>
+                            <a:rPr kumimoji="1" lang="en-US" altLang="ja-JP" b="1" i="1" smtClean="0">
+                              <a:latin typeface="Cambria Math" panose="02040503050406030204" pitchFamily="18" charset="0"/>
+                            </a:rPr>
+                            <m:t>𝑹</m:t>
+                          </m:r>
+                        </m:e>
+                        <m:sup>
+                          <m:r>
+                            <a:rPr kumimoji="1" lang="en-US" altLang="ja-JP" b="0" i="1" smtClean="0">
+                              <a:latin typeface="Cambria Math" panose="02040503050406030204" pitchFamily="18" charset="0"/>
+                            </a:rPr>
+                            <m:t>𝑚</m:t>
+                          </m:r>
+                          <m:r>
+                            <a:rPr kumimoji="1" lang="en-US" altLang="ja-JP" b="0" i="1" smtClean="0">
+                              <a:latin typeface="Cambria Math" panose="02040503050406030204" pitchFamily="18" charset="0"/>
+                            </a:rPr>
+                            <m:t>×</m:t>
+                          </m:r>
+                          <m:sSub>
+                            <m:sSubPr>
+                              <m:ctrlPr>
+                                <a:rPr kumimoji="1" lang="en-US" altLang="ja-JP" b="0" i="1" smtClean="0">
+                                  <a:latin typeface="Cambria Math" panose="02040503050406030204" pitchFamily="18" charset="0"/>
+                                </a:rPr>
+                              </m:ctrlPr>
+                            </m:sSubPr>
+                            <m:e>
+                              <m:r>
+                                <a:rPr kumimoji="1" lang="en-US" altLang="ja-JP" b="0" i="1" smtClean="0">
+                                  <a:latin typeface="Cambria Math" panose="02040503050406030204" pitchFamily="18" charset="0"/>
+                                </a:rPr>
+                                <m:t>𝑠</m:t>
+                              </m:r>
+                            </m:e>
+                            <m:sub>
+                              <m:r>
+                                <a:rPr kumimoji="1" lang="en-US" altLang="ja-JP" b="0" i="1" smtClean="0">
+                                  <a:latin typeface="Cambria Math" panose="02040503050406030204" pitchFamily="18" charset="0"/>
+                                </a:rPr>
+                                <m:t>𝑖</m:t>
+                              </m:r>
+                            </m:sub>
+                          </m:sSub>
+                        </m:sup>
+                      </m:sSup>
+                    </m:oMath>
+                  </m:oMathPara>
+                </a14:m>
+                <a:endParaRPr kumimoji="1" lang="en-US" altLang="ja-JP" dirty="0"/>
+              </a:p>
+              <a:p>
+                <a:pPr marL="0" indent="0">
+                  <a:buNone/>
+                </a:pPr>
+                <a:endParaRPr kumimoji="1" lang="ja-JP" altLang="en-US"/>
+              </a:p>
+            </p:txBody>
+          </p:sp>
+        </mc:Choice>
+        <mc:Fallback>
+          <p:sp>
+            <p:nvSpPr>
+              <p:cNvPr id="3" name="コンテンツ プレースホルダー 2">
+                <a:extLst>
+                  <a:ext uri="{FF2B5EF4-FFF2-40B4-BE49-F238E27FC236}">
+                    <a16:creationId xmlns:a16="http://schemas.microsoft.com/office/drawing/2014/main" id="{506672BA-A08B-5D77-62BE-75D69A96AB87}"/>
+                  </a:ext>
+                </a:extLst>
+              </p:cNvPr>
+              <p:cNvSpPr>
+                <a:spLocks noGrp="1" noRot="1" noChangeAspect="1" noMove="1" noResize="1" noEditPoints="1" noAdjustHandles="1" noChangeArrowheads="1" noChangeShapeType="1" noTextEdit="1"/>
+              </p:cNvSpPr>
+              <p:nvPr>
+                <p:ph idx="1"/>
+              </p:nvPr>
+            </p:nvSpPr>
+            <p:spPr>
+              <a:blipFill>
+                <a:blip r:embed="rId2"/>
+                <a:stretch>
+                  <a:fillRect l="-965" t="-781"/>
+                </a:stretch>
+              </a:blipFill>
+            </p:spPr>
+            <p:txBody>
+              <a:bodyPr/>
+              <a:lstStyle/>
+              <a:p>
+                <a:r>
+                  <a:rPr lang="ja-JP" altLang="en-US">
+                    <a:noFill/>
+                  </a:rPr>
+                  <a:t> </a:t>
+                </a:r>
+              </a:p>
+            </p:txBody>
+          </p:sp>
+        </mc:Fallback>
+      </mc:AlternateContent>
+    </p:spTree>
+    <p:extLst>
+      <p:ext uri="{BB962C8B-B14F-4D97-AF65-F5344CB8AC3E}">
+        <p14:creationId xmlns:p14="http://schemas.microsoft.com/office/powerpoint/2010/main" val="2045344110"/>
+      </p:ext>
+    </p:extLst>
+  </p:cSld>
+  <p:clrMapOvr>
+    <a:masterClrMapping/>
+  </p:clrMapOvr>
+</p:sld>
+</file>
+
+<file path=ppt/slides/slide6.xml><?xml version="1.0" encoding="utf-8"?>
+<p:sld xmlns:a="http://schemas.openxmlformats.org/drawingml/2006/main" xmlns:r="http://schemas.openxmlformats.org/officeDocument/2006/relationships" xmlns:p="http://schemas.openxmlformats.org/presentationml/2006/main">
+  <p:cSld>
+    <p:spTree>
+      <p:nvGrpSpPr>
+        <p:cNvPr id="1" name=""/>
+        <p:cNvGrpSpPr/>
+        <p:nvPr/>
+      </p:nvGrpSpPr>
+      <p:grpSpPr>
+        <a:xfrm>
+          <a:off x="0" y="0"/>
+          <a:ext cx="0" cy="0"/>
+          <a:chOff x="0" y="0"/>
+          <a:chExt cx="0" cy="0"/>
+        </a:xfrm>
+      </p:grpSpPr>
+      <p:sp>
+        <p:nvSpPr>
+          <p:cNvPr id="2" name="タイトル 1">
+            <a:extLst>
+              <a:ext uri="{FF2B5EF4-FFF2-40B4-BE49-F238E27FC236}">
+                <a16:creationId xmlns:a16="http://schemas.microsoft.com/office/drawing/2014/main" id="{B709940F-BCEB-E200-ACDC-9B57C69130BC}"/>
+              </a:ext>
+            </a:extLst>
+          </p:cNvPr>
+          <p:cNvSpPr>
+            <a:spLocks noGrp="1"/>
+          </p:cNvSpPr>
+          <p:nvPr>
+            <p:ph type="title"/>
+          </p:nvPr>
+        </p:nvSpPr>
+        <p:spPr/>
+        <p:txBody>
+          <a:bodyPr/>
+          <a:lstStyle/>
+          <a:p>
+            <a:r>
+              <a:rPr kumimoji="1" lang="ja-JP" altLang="en-US"/>
+              <a:t>データ統合解析のフレームワーク</a:t>
+            </a:r>
+          </a:p>
+        </p:txBody>
+      </p:sp>
+      <p:sp>
+        <p:nvSpPr>
+          <p:cNvPr id="3" name="コンテンツ プレースホルダー 2">
+            <a:extLst>
+              <a:ext uri="{FF2B5EF4-FFF2-40B4-BE49-F238E27FC236}">
+                <a16:creationId xmlns:a16="http://schemas.microsoft.com/office/drawing/2014/main" id="{028DD343-3153-0D80-E61B-E9F39AB0DDC5}"/>
+              </a:ext>
+            </a:extLst>
+          </p:cNvPr>
+          <p:cNvSpPr>
+            <a:spLocks noGrp="1"/>
+          </p:cNvSpPr>
+          <p:nvPr>
+            <p:ph idx="1"/>
+          </p:nvPr>
+        </p:nvSpPr>
+        <p:spPr/>
+        <p:txBody>
+          <a:bodyPr/>
+          <a:lstStyle/>
+          <a:p>
+            <a:endParaRPr kumimoji="1" lang="ja-JP" altLang="en-US"/>
+          </a:p>
+        </p:txBody>
+      </p:sp>
+    </p:spTree>
+    <p:extLst>
+      <p:ext uri="{BB962C8B-B14F-4D97-AF65-F5344CB8AC3E}">
+        <p14:creationId xmlns:p14="http://schemas.microsoft.com/office/powerpoint/2010/main" val="2377540167"/>
+      </p:ext>
+    </p:extLst>
+  </p:cSld>
+  <p:clrMapOvr>
+    <a:masterClrMapping/>
+  </p:clrMapOvr>
+</p:sld>
+</file>
+
+<file path=ppt/slides/slide7.xml><?xml version="1.0" encoding="utf-8"?>
+<p:sld xmlns:a="http://schemas.openxmlformats.org/drawingml/2006/main" xmlns:r="http://schemas.openxmlformats.org/officeDocument/2006/relationships" xmlns:p="http://schemas.openxmlformats.org/presentationml/2006/main">
+  <p:cSld>
+    <p:spTree>
+      <p:nvGrpSpPr>
+        <p:cNvPr id="1" name=""/>
+        <p:cNvGrpSpPr/>
+        <p:nvPr/>
+      </p:nvGrpSpPr>
+      <p:grpSpPr>
+        <a:xfrm>
+          <a:off x="0" y="0"/>
+          <a:ext cx="0" cy="0"/>
+          <a:chOff x="0" y="0"/>
+          <a:chExt cx="0" cy="0"/>
+        </a:xfrm>
+      </p:grpSpPr>
+      <p:sp>
+        <p:nvSpPr>
+          <p:cNvPr id="2" name="タイトル 1">
+            <a:extLst>
+              <a:ext uri="{FF2B5EF4-FFF2-40B4-BE49-F238E27FC236}">
+                <a16:creationId xmlns:a16="http://schemas.microsoft.com/office/drawing/2014/main" id="{A560464D-6256-9E13-B89B-6BFB711EED41}"/>
+              </a:ext>
+            </a:extLst>
+          </p:cNvPr>
+          <p:cNvSpPr>
+            <a:spLocks noGrp="1"/>
+          </p:cNvSpPr>
+          <p:nvPr>
+            <p:ph type="title"/>
+          </p:nvPr>
+        </p:nvSpPr>
+        <p:spPr/>
+        <p:txBody>
+          <a:bodyPr/>
+          <a:lstStyle/>
+          <a:p>
+            <a:r>
+              <a:rPr kumimoji="1" lang="ja-JP" altLang="en-US"/>
+              <a:t>参考文献</a:t>
+            </a:r>
+          </a:p>
+        </p:txBody>
+      </p:sp>
+      <p:sp>
+        <p:nvSpPr>
+          <p:cNvPr id="3" name="コンテンツ プレースホルダー 2">
+            <a:extLst>
+              <a:ext uri="{FF2B5EF4-FFF2-40B4-BE49-F238E27FC236}">
+                <a16:creationId xmlns:a16="http://schemas.microsoft.com/office/drawing/2014/main" id="{D023327D-B782-BF64-042C-76486F95B8E2}"/>
+              </a:ext>
+            </a:extLst>
+          </p:cNvPr>
+          <p:cNvSpPr>
+            <a:spLocks noGrp="1"/>
+          </p:cNvSpPr>
+          <p:nvPr>
+            <p:ph idx="1"/>
+          </p:nvPr>
+        </p:nvSpPr>
+        <p:spPr/>
+        <p:txBody>
+          <a:bodyPr/>
+          <a:lstStyle/>
+          <a:p>
+            <a:pPr marL="0" indent="0">
+              <a:buNone/>
+            </a:pPr>
+            <a:r>
+              <a:rPr kumimoji="1" lang="en-US" altLang="ja-JP" dirty="0"/>
+              <a:t>[1]</a:t>
+            </a:r>
+            <a:r>
+              <a:rPr lang="en" altLang="ja-JP" dirty="0"/>
+              <a:t> </a:t>
+            </a:r>
+            <a:r>
+              <a:rPr lang="en" altLang="ja-JP" dirty="0" err="1"/>
+              <a:t>Konecny</a:t>
+            </a:r>
+            <a:r>
+              <a:rPr lang="en" altLang="ja-JP" dirty="0"/>
+              <a:t>, J., H. B. McMahan, F. X. Yu, P. </a:t>
+            </a:r>
+            <a:r>
+              <a:rPr lang="en" altLang="ja-JP" dirty="0" err="1"/>
+              <a:t>Richtarik</a:t>
+            </a:r>
+            <a:r>
+              <a:rPr lang="en" altLang="ja-JP" dirty="0"/>
+              <a:t>, A. T. Suresh, and D. Bacon. 2016. “Federated learning: Strategies for improving communication efficiency.” Preprint, submitted October 18, 2016. </a:t>
+            </a:r>
+          </a:p>
+          <a:p>
+            <a:pPr marL="0" indent="0">
+              <a:buNone/>
+            </a:pPr>
+            <a:endParaRPr kumimoji="1" lang="ja-JP" altLang="en-US"/>
+          </a:p>
+        </p:txBody>
+      </p:sp>
+    </p:spTree>
+    <p:extLst>
+      <p:ext uri="{BB962C8B-B14F-4D97-AF65-F5344CB8AC3E}">
+        <p14:creationId xmlns:p14="http://schemas.microsoft.com/office/powerpoint/2010/main" val="1109496828"/>
       </p:ext>
     </p:extLst>
   </p:cSld>
